--- a/ios.pptx
+++ b/ios.pptx
@@ -8,6 +8,8 @@
     <p:sldId id="256" r:id="rId2"/>
     <p:sldId id="257" r:id="rId3"/>
     <p:sldId id="258" r:id="rId4"/>
+    <p:sldId id="259" r:id="rId5"/>
+    <p:sldId id="260" r:id="rId6"/>
   </p:sldIdLst>
   <p:sldSz cx="12192000" cy="6858000"/>
   <p:notesSz cx="6858000" cy="9144000"/>
@@ -112,6 +114,985 @@
     </p:ext>
   </p:extLst>
 </p:presentation>
+</file>
+
+<file path=ppt/charts/chart1.xml><?xml version="1.0" encoding="utf-8"?>
+<c:chartSpace xmlns:c="http://schemas.openxmlformats.org/drawingml/2006/chart" xmlns:a="http://schemas.openxmlformats.org/drawingml/2006/main" xmlns:r="http://schemas.openxmlformats.org/officeDocument/2006/relationships">
+  <c:date1904 val="0"/>
+  <c:lang val="en-US"/>
+  <c:roundedCorners val="0"/>
+  <mc:AlternateContent xmlns:mc="http://schemas.openxmlformats.org/markup-compatibility/2006">
+    <mc:Choice xmlns:c14="http://schemas.microsoft.com/office/drawing/2007/8/2/chart" Requires="c14">
+      <c14:style val="102"/>
+    </mc:Choice>
+    <mc:Fallback>
+      <c:style val="2"/>
+    </mc:Fallback>
+  </mc:AlternateContent>
+  <c:chart>
+    <c:title>
+      <c:tx>
+        <c:rich>
+          <a:bodyPr rot="0" spcFirstLastPara="1" vertOverflow="ellipsis" vert="horz" wrap="square" anchor="ctr" anchorCtr="1"/>
+          <a:lstStyle/>
+          <a:p>
+            <a:pPr>
+              <a:defRPr sz="1800" b="1" i="0" u="none" strike="noStrike" kern="1200" baseline="0">
+                <a:solidFill>
+                  <a:schemeClr val="tx1">
+                    <a:lumMod val="65000"/>
+                    <a:lumOff val="35000"/>
+                  </a:schemeClr>
+                </a:solidFill>
+                <a:latin typeface="+mn-lt"/>
+                <a:ea typeface="+mn-ea"/>
+                <a:cs typeface="+mn-cs"/>
+              </a:defRPr>
+            </a:pPr>
+            <a:r>
+              <a:rPr lang="en-US" sz="1800"/>
+              <a:t>Mobile Operating System Market Share Worldwide - October 2020</a:t>
+            </a:r>
+          </a:p>
+          <a:p>
+            <a:pPr>
+              <a:defRPr sz="1800"/>
+            </a:pPr>
+            <a:endParaRPr lang="en-US" sz="1800"/>
+          </a:p>
+        </c:rich>
+      </c:tx>
+      <c:layout>
+        <c:manualLayout>
+          <c:xMode val="edge"/>
+          <c:yMode val="edge"/>
+          <c:x val="2.9829415906513921E-2"/>
+          <c:y val="0.75285900212788459"/>
+        </c:manualLayout>
+      </c:layout>
+      <c:overlay val="1"/>
+      <c:spPr>
+        <a:noFill/>
+        <a:ln>
+          <a:noFill/>
+        </a:ln>
+        <a:effectLst/>
+      </c:spPr>
+      <c:txPr>
+        <a:bodyPr rot="0" spcFirstLastPara="1" vertOverflow="ellipsis" vert="horz" wrap="square" anchor="ctr" anchorCtr="1"/>
+        <a:lstStyle/>
+        <a:p>
+          <a:pPr>
+            <a:defRPr sz="1800" b="1" i="0" u="none" strike="noStrike" kern="1200" baseline="0">
+              <a:solidFill>
+                <a:schemeClr val="tx1">
+                  <a:lumMod val="65000"/>
+                  <a:lumOff val="35000"/>
+                </a:schemeClr>
+              </a:solidFill>
+              <a:latin typeface="+mn-lt"/>
+              <a:ea typeface="+mn-ea"/>
+              <a:cs typeface="+mn-cs"/>
+            </a:defRPr>
+          </a:pPr>
+          <a:endParaRPr lang="en-US"/>
+        </a:p>
+      </c:txPr>
+    </c:title>
+    <c:autoTitleDeleted val="0"/>
+    <c:view3D>
+      <c:rotX val="30"/>
+      <c:rotY val="0"/>
+      <c:depthPercent val="100"/>
+      <c:rAngAx val="0"/>
+      <c:perspective val="40"/>
+    </c:view3D>
+    <c:floor>
+      <c:thickness val="0"/>
+      <c:spPr>
+        <a:noFill/>
+        <a:ln>
+          <a:noFill/>
+        </a:ln>
+        <a:effectLst/>
+        <a:sp3d/>
+      </c:spPr>
+    </c:floor>
+    <c:sideWall>
+      <c:thickness val="0"/>
+      <c:spPr>
+        <a:noFill/>
+        <a:ln>
+          <a:noFill/>
+        </a:ln>
+        <a:effectLst/>
+        <a:sp3d/>
+      </c:spPr>
+    </c:sideWall>
+    <c:backWall>
+      <c:thickness val="0"/>
+      <c:spPr>
+        <a:noFill/>
+        <a:ln>
+          <a:noFill/>
+        </a:ln>
+        <a:effectLst/>
+        <a:sp3d/>
+      </c:spPr>
+    </c:backWall>
+    <c:plotArea>
+      <c:layout>
+        <c:manualLayout>
+          <c:layoutTarget val="inner"/>
+          <c:xMode val="edge"/>
+          <c:yMode val="edge"/>
+          <c:x val="0"/>
+          <c:y val="7.2504165615214111E-2"/>
+          <c:w val="0.64375000000000004"/>
+          <c:h val="0.53703724550705922"/>
+        </c:manualLayout>
+      </c:layout>
+      <c:pie3DChart>
+        <c:varyColors val="1"/>
+        <c:ser>
+          <c:idx val="0"/>
+          <c:order val="0"/>
+          <c:tx>
+            <c:strRef>
+              <c:f>Sheet1!$B$1</c:f>
+              <c:strCache>
+                <c:ptCount val="1"/>
+                <c:pt idx="0">
+                  <c:v>Sales</c:v>
+                </c:pt>
+              </c:strCache>
+            </c:strRef>
+          </c:tx>
+          <c:explosion val="14"/>
+          <c:dPt>
+            <c:idx val="0"/>
+            <c:bubble3D val="0"/>
+            <c:explosion val="9"/>
+            <c:spPr>
+              <a:gradFill rotWithShape="1">
+                <a:gsLst>
+                  <a:gs pos="0">
+                    <a:schemeClr val="accent2">
+                      <a:tint val="96000"/>
+                      <a:lumMod val="104000"/>
+                    </a:schemeClr>
+                  </a:gs>
+                  <a:gs pos="100000">
+                    <a:schemeClr val="accent2">
+                      <a:shade val="98000"/>
+                      <a:lumMod val="94000"/>
+                    </a:schemeClr>
+                  </a:gs>
+                </a:gsLst>
+                <a:lin ang="5400000" scaled="0"/>
+              </a:gradFill>
+              <a:ln>
+                <a:noFill/>
+              </a:ln>
+              <a:effectLst>
+                <a:outerShdw blurRad="50800" dist="38100" dir="5400000" rotWithShape="0">
+                  <a:srgbClr val="000000">
+                    <a:alpha val="60000"/>
+                  </a:srgbClr>
+                </a:outerShdw>
+              </a:effectLst>
+              <a:sp3d/>
+            </c:spPr>
+          </c:dPt>
+          <c:dPt>
+            <c:idx val="1"/>
+            <c:bubble3D val="0"/>
+            <c:explosion val="12"/>
+            <c:spPr>
+              <a:gradFill rotWithShape="1">
+                <a:gsLst>
+                  <a:gs pos="0">
+                    <a:schemeClr val="accent4">
+                      <a:tint val="96000"/>
+                      <a:lumMod val="104000"/>
+                    </a:schemeClr>
+                  </a:gs>
+                  <a:gs pos="100000">
+                    <a:schemeClr val="accent4">
+                      <a:shade val="98000"/>
+                      <a:lumMod val="94000"/>
+                    </a:schemeClr>
+                  </a:gs>
+                </a:gsLst>
+                <a:lin ang="5400000" scaled="0"/>
+              </a:gradFill>
+              <a:ln>
+                <a:noFill/>
+              </a:ln>
+              <a:effectLst>
+                <a:outerShdw blurRad="50800" dist="38100" dir="5400000" rotWithShape="0">
+                  <a:srgbClr val="000000">
+                    <a:alpha val="60000"/>
+                  </a:srgbClr>
+                </a:outerShdw>
+              </a:effectLst>
+              <a:sp3d/>
+            </c:spPr>
+          </c:dPt>
+          <c:dPt>
+            <c:idx val="2"/>
+            <c:bubble3D val="0"/>
+            <c:spPr>
+              <a:gradFill rotWithShape="1">
+                <a:gsLst>
+                  <a:gs pos="0">
+                    <a:schemeClr val="accent6">
+                      <a:tint val="96000"/>
+                      <a:lumMod val="104000"/>
+                    </a:schemeClr>
+                  </a:gs>
+                  <a:gs pos="100000">
+                    <a:schemeClr val="accent6">
+                      <a:shade val="98000"/>
+                      <a:lumMod val="94000"/>
+                    </a:schemeClr>
+                  </a:gs>
+                </a:gsLst>
+                <a:lin ang="5400000" scaled="0"/>
+              </a:gradFill>
+              <a:ln>
+                <a:noFill/>
+              </a:ln>
+              <a:effectLst>
+                <a:outerShdw blurRad="50800" dist="38100" dir="5400000" rotWithShape="0">
+                  <a:srgbClr val="000000">
+                    <a:alpha val="60000"/>
+                  </a:srgbClr>
+                </a:outerShdw>
+              </a:effectLst>
+              <a:sp3d/>
+            </c:spPr>
+          </c:dPt>
+          <c:dLbls>
+            <c:spPr>
+              <a:noFill/>
+              <a:ln>
+                <a:noFill/>
+              </a:ln>
+              <a:effectLst/>
+            </c:spPr>
+            <c:txPr>
+              <a:bodyPr rot="0" spcFirstLastPara="1" vertOverflow="ellipsis" vert="horz" wrap="square" lIns="38100" tIns="19050" rIns="38100" bIns="19050" anchor="ctr" anchorCtr="1">
+                <a:spAutoFit/>
+              </a:bodyPr>
+              <a:lstStyle/>
+              <a:p>
+                <a:pPr>
+                  <a:defRPr sz="1197" b="0" i="0" u="none" strike="noStrike" kern="1200" baseline="0">
+                    <a:solidFill>
+                      <a:schemeClr val="tx1">
+                        <a:lumMod val="75000"/>
+                        <a:lumOff val="25000"/>
+                      </a:schemeClr>
+                    </a:solidFill>
+                    <a:latin typeface="+mn-lt"/>
+                    <a:ea typeface="+mn-ea"/>
+                    <a:cs typeface="+mn-cs"/>
+                  </a:defRPr>
+                </a:pPr>
+                <a:endParaRPr lang="en-US"/>
+              </a:p>
+            </c:txPr>
+            <c:dLblPos val="outEnd"/>
+            <c:showLegendKey val="0"/>
+            <c:showVal val="1"/>
+            <c:showCatName val="0"/>
+            <c:showSerName val="0"/>
+            <c:showPercent val="0"/>
+            <c:showBubbleSize val="0"/>
+            <c:showLeaderLines val="1"/>
+            <c:leaderLines>
+              <c:spPr>
+                <a:ln w="9525" cap="flat" cmpd="sng" algn="ctr">
+                  <a:solidFill>
+                    <a:schemeClr val="tx1">
+                      <a:lumMod val="35000"/>
+                      <a:lumOff val="65000"/>
+                    </a:schemeClr>
+                  </a:solidFill>
+                  <a:round/>
+                </a:ln>
+                <a:effectLst/>
+              </c:spPr>
+            </c:leaderLines>
+            <c:extLst>
+              <c:ext xmlns:c15="http://schemas.microsoft.com/office/drawing/2012/chart" uri="{CE6537A1-D6FC-4f65-9D91-7224C49458BB}">
+                <c15:layout/>
+              </c:ext>
+            </c:extLst>
+          </c:dLbls>
+          <c:cat>
+            <c:strRef>
+              <c:f>Sheet1!$A$2:$A$4</c:f>
+              <c:strCache>
+                <c:ptCount val="3"/>
+                <c:pt idx="0">
+                  <c:v>iOS</c:v>
+                </c:pt>
+                <c:pt idx="1">
+                  <c:v>Android</c:v>
+                </c:pt>
+                <c:pt idx="2">
+                  <c:v>Others</c:v>
+                </c:pt>
+              </c:strCache>
+            </c:strRef>
+          </c:cat>
+          <c:val>
+            <c:numRef>
+              <c:f>Sheet1!$B$2:$B$4</c:f>
+              <c:numCache>
+                <c:formatCode>General</c:formatCode>
+                <c:ptCount val="3"/>
+                <c:pt idx="0">
+                  <c:v>26.53</c:v>
+                </c:pt>
+                <c:pt idx="1">
+                  <c:v>72.92</c:v>
+                </c:pt>
+                <c:pt idx="2">
+                  <c:v>0.55000000000000004</c:v>
+                </c:pt>
+              </c:numCache>
+            </c:numRef>
+          </c:val>
+        </c:ser>
+        <c:dLbls>
+          <c:dLblPos val="inEnd"/>
+          <c:showLegendKey val="0"/>
+          <c:showVal val="0"/>
+          <c:showCatName val="0"/>
+          <c:showSerName val="0"/>
+          <c:showPercent val="0"/>
+          <c:showBubbleSize val="0"/>
+          <c:showLeaderLines val="1"/>
+        </c:dLbls>
+      </c:pie3DChart>
+      <c:spPr>
+        <a:noFill/>
+        <a:ln>
+          <a:noFill/>
+        </a:ln>
+        <a:effectLst/>
+      </c:spPr>
+    </c:plotArea>
+    <c:legend>
+      <c:legendPos val="b"/>
+      <c:layout>
+        <c:manualLayout>
+          <c:xMode val="edge"/>
+          <c:yMode val="edge"/>
+          <c:x val="0.63572912730874098"/>
+          <c:y val="0.14872628124884202"/>
+          <c:w val="0.23100400071555402"/>
+          <c:h val="0.34530088172964996"/>
+        </c:manualLayout>
+      </c:layout>
+      <c:overlay val="0"/>
+      <c:spPr>
+        <a:noFill/>
+        <a:ln>
+          <a:noFill/>
+        </a:ln>
+        <a:effectLst>
+          <a:softEdge rad="0"/>
+        </a:effectLst>
+      </c:spPr>
+      <c:txPr>
+        <a:bodyPr rot="0" spcFirstLastPara="1" vertOverflow="ellipsis" vert="horz" wrap="square" anchor="ctr" anchorCtr="1"/>
+        <a:lstStyle/>
+        <a:p>
+          <a:pPr rtl="0">
+            <a:defRPr sz="1197" b="0" i="0" u="none" strike="noStrike" kern="1200" baseline="0">
+              <a:solidFill>
+                <a:schemeClr val="tx1">
+                  <a:lumMod val="65000"/>
+                  <a:lumOff val="35000"/>
+                </a:schemeClr>
+              </a:solidFill>
+              <a:latin typeface="+mn-lt"/>
+              <a:ea typeface="+mn-ea"/>
+              <a:cs typeface="+mn-cs"/>
+            </a:defRPr>
+          </a:pPr>
+          <a:endParaRPr lang="en-US"/>
+        </a:p>
+      </c:txPr>
+    </c:legend>
+    <c:plotVisOnly val="1"/>
+    <c:dispBlanksAs val="gap"/>
+    <c:showDLblsOverMax val="0"/>
+  </c:chart>
+  <c:spPr>
+    <a:noFill/>
+    <a:ln>
+      <a:noFill/>
+    </a:ln>
+    <a:effectLst/>
+  </c:spPr>
+  <c:txPr>
+    <a:bodyPr/>
+    <a:lstStyle/>
+    <a:p>
+      <a:pPr>
+        <a:defRPr/>
+      </a:pPr>
+      <a:endParaRPr lang="en-US"/>
+    </a:p>
+  </c:txPr>
+  <c:externalData r:id="rId3">
+    <c:autoUpdate val="0"/>
+  </c:externalData>
+</c:chartSpace>
+</file>
+
+<file path=ppt/charts/colors1.xml><?xml version="1.0" encoding="utf-8"?>
+<cs:colorStyle xmlns:cs="http://schemas.microsoft.com/office/drawing/2012/chartStyle" xmlns:a="http://schemas.openxmlformats.org/drawingml/2006/main" meth="cycle" id="12">
+  <a:schemeClr val="accent2"/>
+  <a:schemeClr val="accent4"/>
+  <a:schemeClr val="accent6"/>
+  <cs:variation/>
+  <cs:variation>
+    <a:lumMod val="60000"/>
+  </cs:variation>
+  <cs:variation>
+    <a:lumMod val="80000"/>
+    <a:lumOff val="20000"/>
+  </cs:variation>
+  <cs:variation>
+    <a:lumMod val="80000"/>
+  </cs:variation>
+  <cs:variation>
+    <a:lumMod val="60000"/>
+    <a:lumOff val="40000"/>
+  </cs:variation>
+  <cs:variation>
+    <a:lumMod val="50000"/>
+  </cs:variation>
+  <cs:variation>
+    <a:lumMod val="70000"/>
+    <a:lumOff val="30000"/>
+  </cs:variation>
+  <cs:variation>
+    <a:lumMod val="70000"/>
+  </cs:variation>
+  <cs:variation>
+    <a:lumMod val="50000"/>
+    <a:lumOff val="50000"/>
+  </cs:variation>
+</cs:colorStyle>
+</file>
+
+<file path=ppt/charts/style1.xml><?xml version="1.0" encoding="utf-8"?>
+<cs:chartStyle xmlns:cs="http://schemas.microsoft.com/office/drawing/2012/chartStyle" xmlns:a="http://schemas.openxmlformats.org/drawingml/2006/main" id="345">
+  <cs:axisTitle>
+    <cs:lnRef idx="0"/>
+    <cs:fillRef idx="0"/>
+    <cs:effectRef idx="0"/>
+    <cs:fontRef idx="minor">
+      <a:schemeClr val="tx1">
+        <a:lumMod val="65000"/>
+        <a:lumOff val="35000"/>
+      </a:schemeClr>
+    </cs:fontRef>
+    <cs:defRPr sz="1197" kern="1200"/>
+  </cs:axisTitle>
+  <cs:categoryAxis>
+    <cs:lnRef idx="0"/>
+    <cs:fillRef idx="0"/>
+    <cs:effectRef idx="0"/>
+    <cs:fontRef idx="minor">
+      <a:schemeClr val="tx1">
+        <a:lumMod val="65000"/>
+        <a:lumOff val="35000"/>
+      </a:schemeClr>
+    </cs:fontRef>
+    <cs:spPr>
+      <a:ln w="12700" cap="flat" cmpd="sng" algn="ctr">
+        <a:solidFill>
+          <a:schemeClr val="tx1">
+            <a:lumMod val="15000"/>
+            <a:lumOff val="85000"/>
+          </a:schemeClr>
+        </a:solidFill>
+        <a:round/>
+      </a:ln>
+    </cs:spPr>
+    <cs:defRPr sz="1197" kern="1200"/>
+  </cs:categoryAxis>
+  <cs:chartArea mods="allowNoFillOverride allowNoLineOverride">
+    <cs:lnRef idx="0"/>
+    <cs:fillRef idx="0"/>
+    <cs:effectRef idx="0"/>
+    <cs:fontRef idx="minor">
+      <a:schemeClr val="tx2"/>
+    </cs:fontRef>
+    <cs:spPr>
+      <a:solidFill>
+        <a:schemeClr val="bg1"/>
+      </a:solidFill>
+      <a:ln w="9525" cap="flat" cmpd="sng" algn="ctr">
+        <a:solidFill>
+          <a:schemeClr val="tx1">
+            <a:lumMod val="15000"/>
+            <a:lumOff val="85000"/>
+          </a:schemeClr>
+        </a:solidFill>
+        <a:round/>
+      </a:ln>
+    </cs:spPr>
+    <cs:defRPr sz="1197" kern="1200"/>
+  </cs:chartArea>
+  <cs:dataLabel>
+    <cs:lnRef idx="0"/>
+    <cs:fillRef idx="0"/>
+    <cs:effectRef idx="0"/>
+    <cs:fontRef idx="minor">
+      <a:schemeClr val="tx1">
+        <a:lumMod val="75000"/>
+        <a:lumOff val="25000"/>
+      </a:schemeClr>
+    </cs:fontRef>
+    <cs:defRPr sz="1197" kern="1200"/>
+  </cs:dataLabel>
+  <cs:dataLabelCallout>
+    <cs:lnRef idx="0"/>
+    <cs:fillRef idx="0"/>
+    <cs:effectRef idx="0"/>
+    <cs:fontRef idx="minor">
+      <a:schemeClr val="dk1">
+        <a:lumMod val="65000"/>
+        <a:lumOff val="35000"/>
+      </a:schemeClr>
+    </cs:fontRef>
+    <cs:spPr>
+      <a:solidFill>
+        <a:schemeClr val="lt1"/>
+      </a:solidFill>
+      <a:ln>
+        <a:solidFill>
+          <a:schemeClr val="dk1">
+            <a:lumMod val="25000"/>
+            <a:lumOff val="75000"/>
+          </a:schemeClr>
+        </a:solidFill>
+      </a:ln>
+    </cs:spPr>
+    <cs:defRPr sz="1197" kern="1200"/>
+    <cs:bodyPr rot="0" spcFirstLastPara="1" vertOverflow="clip" horzOverflow="clip" vert="horz" wrap="square" lIns="36576" tIns="18288" rIns="36576" bIns="18288" anchor="ctr" anchorCtr="1">
+      <a:spAutoFit/>
+    </cs:bodyPr>
+  </cs:dataLabelCallout>
+  <cs:dataPoint>
+    <cs:lnRef idx="0"/>
+    <cs:fillRef idx="3">
+      <cs:styleClr val="auto"/>
+    </cs:fillRef>
+    <cs:effectRef idx="3"/>
+    <cs:fontRef idx="minor">
+      <a:schemeClr val="tx1"/>
+    </cs:fontRef>
+  </cs:dataPoint>
+  <cs:dataPoint3D>
+    <cs:lnRef idx="0"/>
+    <cs:fillRef idx="3">
+      <cs:styleClr val="auto"/>
+    </cs:fillRef>
+    <cs:effectRef idx="3"/>
+    <cs:fontRef idx="minor">
+      <a:schemeClr val="tx1"/>
+    </cs:fontRef>
+  </cs:dataPoint3D>
+  <cs:dataPointLine>
+    <cs:lnRef idx="0">
+      <cs:styleClr val="auto"/>
+    </cs:lnRef>
+    <cs:fillRef idx="3"/>
+    <cs:effectRef idx="3"/>
+    <cs:fontRef idx="minor">
+      <a:schemeClr val="tx1"/>
+    </cs:fontRef>
+    <cs:spPr>
+      <a:ln w="34925" cap="rnd">
+        <a:solidFill>
+          <a:schemeClr val="phClr"/>
+        </a:solidFill>
+        <a:round/>
+      </a:ln>
+    </cs:spPr>
+  </cs:dataPointLine>
+  <cs:dataPointMarker>
+    <cs:lnRef idx="0">
+      <cs:styleClr val="auto"/>
+    </cs:lnRef>
+    <cs:fillRef idx="3">
+      <cs:styleClr val="auto"/>
+    </cs:fillRef>
+    <cs:effectRef idx="3"/>
+    <cs:fontRef idx="minor">
+      <a:schemeClr val="tx1"/>
+    </cs:fontRef>
+    <cs:spPr>
+      <a:ln w="9525">
+        <a:solidFill>
+          <a:schemeClr val="phClr"/>
+        </a:solidFill>
+        <a:round/>
+      </a:ln>
+    </cs:spPr>
+  </cs:dataPointMarker>
+  <cs:dataPointMarkerLayout symbol="circle" size="6"/>
+  <cs:dataPointWireframe>
+    <cs:lnRef idx="0">
+      <cs:styleClr val="auto"/>
+    </cs:lnRef>
+    <cs:fillRef idx="3"/>
+    <cs:effectRef idx="3"/>
+    <cs:fontRef idx="minor">
+      <a:schemeClr val="tx1"/>
+    </cs:fontRef>
+    <cs:spPr>
+      <a:ln w="9525" cap="rnd">
+        <a:solidFill>
+          <a:schemeClr val="phClr"/>
+        </a:solidFill>
+        <a:round/>
+      </a:ln>
+    </cs:spPr>
+  </cs:dataPointWireframe>
+  <cs:dataTable>
+    <cs:lnRef idx="0"/>
+    <cs:fillRef idx="0"/>
+    <cs:effectRef idx="0"/>
+    <cs:fontRef idx="minor">
+      <a:schemeClr val="tx1">
+        <a:lumMod val="65000"/>
+        <a:lumOff val="35000"/>
+      </a:schemeClr>
+    </cs:fontRef>
+    <cs:spPr>
+      <a:noFill/>
+      <a:ln w="9525" cap="flat" cmpd="sng" algn="ctr">
+        <a:solidFill>
+          <a:schemeClr val="tx1">
+            <a:lumMod val="15000"/>
+            <a:lumOff val="85000"/>
+          </a:schemeClr>
+        </a:solidFill>
+        <a:round/>
+      </a:ln>
+    </cs:spPr>
+    <cs:defRPr sz="1197" kern="1200"/>
+  </cs:dataTable>
+  <cs:downBar>
+    <cs:lnRef idx="0"/>
+    <cs:fillRef idx="0"/>
+    <cs:effectRef idx="0"/>
+    <cs:fontRef idx="minor">
+      <a:schemeClr val="dk1"/>
+    </cs:fontRef>
+    <cs:spPr>
+      <a:solidFill>
+        <a:schemeClr val="dk1">
+          <a:lumMod val="65000"/>
+          <a:lumOff val="35000"/>
+        </a:schemeClr>
+      </a:solidFill>
+      <a:ln w="9525">
+        <a:solidFill>
+          <a:schemeClr val="tx1">
+            <a:lumMod val="65000"/>
+            <a:lumOff val="35000"/>
+          </a:schemeClr>
+        </a:solidFill>
+      </a:ln>
+    </cs:spPr>
+  </cs:downBar>
+  <cs:dropLine>
+    <cs:lnRef idx="0"/>
+    <cs:fillRef idx="0"/>
+    <cs:effectRef idx="0"/>
+    <cs:fontRef idx="minor">
+      <a:schemeClr val="tx1"/>
+    </cs:fontRef>
+    <cs:spPr>
+      <a:ln w="9525" cap="flat" cmpd="sng" algn="ctr">
+        <a:solidFill>
+          <a:schemeClr val="tx1">
+            <a:lumMod val="35000"/>
+            <a:lumOff val="65000"/>
+          </a:schemeClr>
+        </a:solidFill>
+        <a:round/>
+      </a:ln>
+    </cs:spPr>
+  </cs:dropLine>
+  <cs:errorBar>
+    <cs:lnRef idx="0"/>
+    <cs:fillRef idx="0"/>
+    <cs:effectRef idx="0"/>
+    <cs:fontRef idx="minor">
+      <a:schemeClr val="tx1"/>
+    </cs:fontRef>
+    <cs:spPr>
+      <a:ln w="9525" cap="flat" cmpd="sng" algn="ctr">
+        <a:solidFill>
+          <a:schemeClr val="tx1">
+            <a:lumMod val="65000"/>
+            <a:lumOff val="35000"/>
+          </a:schemeClr>
+        </a:solidFill>
+        <a:round/>
+      </a:ln>
+    </cs:spPr>
+  </cs:errorBar>
+  <cs:floor>
+    <cs:lnRef idx="0"/>
+    <cs:fillRef idx="0"/>
+    <cs:effectRef idx="0"/>
+    <cs:fontRef idx="minor">
+      <a:schemeClr val="lt1"/>
+    </cs:fontRef>
+  </cs:floor>
+  <cs:gridlineMajor>
+    <cs:lnRef idx="0"/>
+    <cs:fillRef idx="0"/>
+    <cs:effectRef idx="0"/>
+    <cs:fontRef idx="minor">
+      <a:schemeClr val="tx1"/>
+    </cs:fontRef>
+    <cs:spPr>
+      <a:ln w="9525" cap="flat" cmpd="sng" algn="ctr">
+        <a:solidFill>
+          <a:schemeClr val="tx1">
+            <a:lumMod val="15000"/>
+            <a:lumOff val="85000"/>
+          </a:schemeClr>
+        </a:solidFill>
+        <a:round/>
+      </a:ln>
+    </cs:spPr>
+  </cs:gridlineMajor>
+  <cs:gridlineMinor>
+    <cs:lnRef idx="0"/>
+    <cs:fillRef idx="0"/>
+    <cs:effectRef idx="0"/>
+    <cs:fontRef idx="minor">
+      <a:schemeClr val="tx1"/>
+    </cs:fontRef>
+    <cs:spPr>
+      <a:ln w="9525" cap="flat" cmpd="sng" algn="ctr">
+        <a:solidFill>
+          <a:schemeClr val="tx1">
+            <a:lumMod val="5000"/>
+            <a:lumOff val="95000"/>
+          </a:schemeClr>
+        </a:solidFill>
+        <a:round/>
+      </a:ln>
+    </cs:spPr>
+  </cs:gridlineMinor>
+  <cs:hiLoLine>
+    <cs:lnRef idx="0"/>
+    <cs:fillRef idx="0"/>
+    <cs:effectRef idx="0"/>
+    <cs:fontRef idx="minor">
+      <a:schemeClr val="tx1"/>
+    </cs:fontRef>
+    <cs:spPr>
+      <a:ln w="9525" cap="flat" cmpd="sng" algn="ctr">
+        <a:solidFill>
+          <a:schemeClr val="tx1">
+            <a:lumMod val="75000"/>
+            <a:lumOff val="25000"/>
+          </a:schemeClr>
+        </a:solidFill>
+        <a:round/>
+      </a:ln>
+    </cs:spPr>
+  </cs:hiLoLine>
+  <cs:leaderLine>
+    <cs:lnRef idx="0"/>
+    <cs:fillRef idx="0"/>
+    <cs:effectRef idx="0"/>
+    <cs:fontRef idx="minor">
+      <a:schemeClr val="tx1"/>
+    </cs:fontRef>
+    <cs:spPr>
+      <a:ln w="9525" cap="flat" cmpd="sng" algn="ctr">
+        <a:solidFill>
+          <a:schemeClr val="tx1">
+            <a:lumMod val="35000"/>
+            <a:lumOff val="65000"/>
+          </a:schemeClr>
+        </a:solidFill>
+        <a:round/>
+      </a:ln>
+    </cs:spPr>
+  </cs:leaderLine>
+  <cs:legend>
+    <cs:lnRef idx="0"/>
+    <cs:fillRef idx="0"/>
+    <cs:effectRef idx="0"/>
+    <cs:fontRef idx="minor">
+      <a:schemeClr val="tx1">
+        <a:lumMod val="65000"/>
+        <a:lumOff val="35000"/>
+      </a:schemeClr>
+    </cs:fontRef>
+    <cs:defRPr sz="1197" kern="1200"/>
+  </cs:legend>
+  <cs:plotArea>
+    <cs:lnRef idx="0"/>
+    <cs:fillRef idx="0"/>
+    <cs:effectRef idx="0"/>
+    <cs:fontRef idx="minor">
+      <a:schemeClr val="lt1"/>
+    </cs:fontRef>
+  </cs:plotArea>
+  <cs:plotArea3D>
+    <cs:lnRef idx="0"/>
+    <cs:fillRef idx="0"/>
+    <cs:effectRef idx="0"/>
+    <cs:fontRef idx="minor">
+      <a:schemeClr val="lt1"/>
+    </cs:fontRef>
+  </cs:plotArea3D>
+  <cs:seriesAxis>
+    <cs:lnRef idx="0"/>
+    <cs:fillRef idx="0"/>
+    <cs:effectRef idx="0"/>
+    <cs:fontRef idx="minor">
+      <a:schemeClr val="tx1">
+        <a:lumMod val="65000"/>
+        <a:lumOff val="35000"/>
+      </a:schemeClr>
+    </cs:fontRef>
+    <cs:spPr>
+      <a:ln w="12700" cap="flat" cmpd="sng" algn="ctr">
+        <a:solidFill>
+          <a:schemeClr val="tx1">
+            <a:lumMod val="15000"/>
+            <a:lumOff val="85000"/>
+          </a:schemeClr>
+        </a:solidFill>
+        <a:round/>
+      </a:ln>
+    </cs:spPr>
+    <cs:defRPr sz="1197" kern="1200"/>
+  </cs:seriesAxis>
+  <cs:seriesLine>
+    <cs:lnRef idx="0"/>
+    <cs:fillRef idx="0"/>
+    <cs:effectRef idx="0"/>
+    <cs:fontRef idx="minor">
+      <a:schemeClr val="tx1"/>
+    </cs:fontRef>
+    <cs:spPr>
+      <a:ln w="9525" cap="flat" cmpd="sng" algn="ctr">
+        <a:solidFill>
+          <a:schemeClr val="tx1">
+            <a:lumMod val="35000"/>
+            <a:lumOff val="65000"/>
+          </a:schemeClr>
+        </a:solidFill>
+        <a:round/>
+      </a:ln>
+    </cs:spPr>
+  </cs:seriesLine>
+  <cs:title>
+    <cs:lnRef idx="0"/>
+    <cs:fillRef idx="0"/>
+    <cs:effectRef idx="0"/>
+    <cs:fontRef idx="minor">
+      <a:schemeClr val="tx1">
+        <a:lumMod val="65000"/>
+        <a:lumOff val="35000"/>
+      </a:schemeClr>
+    </cs:fontRef>
+    <cs:defRPr sz="2128" b="1" kern="1200" baseline="0"/>
+  </cs:title>
+  <cs:trendline>
+    <cs:lnRef idx="0">
+      <cs:styleClr val="auto"/>
+    </cs:lnRef>
+    <cs:fillRef idx="0"/>
+    <cs:effectRef idx="0"/>
+    <cs:fontRef idx="minor">
+      <a:schemeClr val="lt1"/>
+    </cs:fontRef>
+    <cs:spPr>
+      <a:ln w="19050" cap="rnd">
+        <a:solidFill>
+          <a:schemeClr val="phClr"/>
+        </a:solidFill>
+      </a:ln>
+    </cs:spPr>
+  </cs:trendline>
+  <cs:trendlineLabel>
+    <cs:lnRef idx="0"/>
+    <cs:fillRef idx="0"/>
+    <cs:effectRef idx="0"/>
+    <cs:fontRef idx="minor">
+      <a:schemeClr val="tx1">
+        <a:lumMod val="65000"/>
+        <a:lumOff val="35000"/>
+      </a:schemeClr>
+    </cs:fontRef>
+    <cs:defRPr sz="1197" kern="1200"/>
+  </cs:trendlineLabel>
+  <cs:upBar>
+    <cs:lnRef idx="0"/>
+    <cs:fillRef idx="0"/>
+    <cs:effectRef idx="0"/>
+    <cs:fontRef idx="minor">
+      <a:schemeClr val="dk1"/>
+    </cs:fontRef>
+    <cs:spPr>
+      <a:solidFill>
+        <a:schemeClr val="lt1"/>
+      </a:solidFill>
+      <a:ln w="9525">
+        <a:solidFill>
+          <a:schemeClr val="tx1">
+            <a:lumMod val="15000"/>
+            <a:lumOff val="85000"/>
+          </a:schemeClr>
+        </a:solidFill>
+      </a:ln>
+    </cs:spPr>
+  </cs:upBar>
+  <cs:valueAxis>
+    <cs:lnRef idx="0"/>
+    <cs:fillRef idx="0"/>
+    <cs:effectRef idx="0"/>
+    <cs:fontRef idx="minor">
+      <a:schemeClr val="tx1">
+        <a:lumMod val="65000"/>
+        <a:lumOff val="35000"/>
+      </a:schemeClr>
+    </cs:fontRef>
+    <cs:defRPr sz="1197" kern="1200"/>
+  </cs:valueAxis>
+  <cs:wall>
+    <cs:lnRef idx="0"/>
+    <cs:fillRef idx="0"/>
+    <cs:effectRef idx="0"/>
+    <cs:fontRef idx="minor">
+      <a:schemeClr val="lt1"/>
+    </cs:fontRef>
+  </cs:wall>
+</cs:chartStyle>
 </file>
 
 <file path=ppt/slideLayouts/slideLayout1.xml><?xml version="1.0" encoding="utf-8"?>
@@ -7875,7 +8856,23 @@
             </a:pPr>
             <a:r>
               <a:rPr lang="en-US" sz="2800" dirty="0" err="1" smtClean="0"/>
-              <a:t>XCode</a:t>
+              <a:t>Xcode</a:t>
+            </a:r>
+            <a:r>
+              <a:rPr lang="en-US" sz="2800" dirty="0" smtClean="0"/>
+              <a:t>, </a:t>
+            </a:r>
+            <a:r>
+              <a:rPr lang="en-US" sz="2800" dirty="0" smtClean="0"/>
+              <a:t>Swift</a:t>
+            </a:r>
+            <a:r>
+              <a:rPr lang="en-US" sz="2800" dirty="0"/>
+              <a:t>, Swift </a:t>
+            </a:r>
+            <a:r>
+              <a:rPr lang="en-US" sz="2800" dirty="0" smtClean="0"/>
+              <a:t>UI</a:t>
             </a:r>
             <a:endParaRPr lang="en-US" sz="2800" dirty="0" smtClean="0"/>
           </a:p>
@@ -7887,29 +8884,11 @@
             </a:pPr>
             <a:r>
               <a:rPr lang="en-US" sz="2800" dirty="0" smtClean="0"/>
-              <a:t>Swift</a:t>
-            </a:r>
-          </a:p>
-          <a:p>
-            <a:pPr>
-              <a:buSzPct val="100000"/>
-              <a:buFont typeface="Arial" panose="020B0604020202020204" pitchFamily="34" charset="0"/>
-              <a:buChar char="•"/>
-            </a:pPr>
+              <a:t>Apple </a:t>
+            </a:r>
             <a:r>
               <a:rPr lang="en-US" sz="2800" dirty="0" smtClean="0"/>
-              <a:t>Swift UI</a:t>
-            </a:r>
-          </a:p>
-          <a:p>
-            <a:pPr>
-              <a:buSzPct val="100000"/>
-              <a:buFont typeface="Arial" panose="020B0604020202020204" pitchFamily="34" charset="0"/>
-              <a:buChar char="•"/>
-            </a:pPr>
-            <a:r>
-              <a:rPr lang="en-US" sz="2800" dirty="0" smtClean="0"/>
-              <a:t>Apple Account</a:t>
+              <a:t>Account</a:t>
             </a:r>
           </a:p>
           <a:p>
@@ -8030,7 +9009,7 @@
         </p:blipFill>
         <p:spPr bwMode="auto">
           <a:xfrm>
-            <a:off x="5877226" y="4486164"/>
+            <a:off x="5877226" y="4486165"/>
             <a:ext cx="1143374" cy="1143374"/>
           </a:xfrm>
           <a:prstGeom prst="rect">
@@ -8071,7 +9050,7 @@
         </p:blipFill>
         <p:spPr bwMode="auto">
           <a:xfrm>
-            <a:off x="7478935" y="4351141"/>
+            <a:off x="7358948" y="4351142"/>
             <a:ext cx="1347957" cy="1413419"/>
           </a:xfrm>
           <a:prstGeom prst="rect">
@@ -8144,7 +9123,11 @@
             <a:pPr algn="ctr"/>
             <a:r>
               <a:rPr lang="en-US" dirty="0" smtClean="0"/>
-              <a:t>What is IOS</a:t>
+              <a:t>What is </a:t>
+            </a:r>
+            <a:r>
+              <a:rPr lang="en-US" dirty="0" err="1" smtClean="0"/>
+              <a:t>iOS</a:t>
             </a:r>
             <a:endParaRPr lang="en-US" dirty="0"/>
           </a:p>
@@ -8342,6 +9325,523 @@
     <p:extLst>
       <p:ext uri="{BB962C8B-B14F-4D97-AF65-F5344CB8AC3E}">
         <p14:creationId xmlns:p14="http://schemas.microsoft.com/office/powerpoint/2010/main" val="1786127357"/>
+      </p:ext>
+    </p:extLst>
+  </p:cSld>
+  <p:clrMapOvr>
+    <a:masterClrMapping/>
+  </p:clrMapOvr>
+  <p:timing>
+    <p:tnLst>
+      <p:par>
+        <p:cTn id="1" dur="indefinite" restart="never" nodeType="tmRoot"/>
+      </p:par>
+    </p:tnLst>
+  </p:timing>
+</p:sld>
+</file>
+
+<file path=ppt/slides/slide4.xml><?xml version="1.0" encoding="utf-8"?>
+<p:sld xmlns:a="http://schemas.openxmlformats.org/drawingml/2006/main" xmlns:r="http://schemas.openxmlformats.org/officeDocument/2006/relationships" xmlns:p="http://schemas.openxmlformats.org/presentationml/2006/main">
+  <p:cSld>
+    <p:spTree>
+      <p:nvGrpSpPr>
+        <p:cNvPr id="1" name=""/>
+        <p:cNvGrpSpPr/>
+        <p:nvPr/>
+      </p:nvGrpSpPr>
+      <p:grpSpPr>
+        <a:xfrm>
+          <a:off x="0" y="0"/>
+          <a:ext cx="0" cy="0"/>
+          <a:chOff x="0" y="0"/>
+          <a:chExt cx="0" cy="0"/>
+        </a:xfrm>
+      </p:grpSpPr>
+      <p:graphicFrame>
+        <p:nvGraphicFramePr>
+          <p:cNvPr id="13" name="Chart 12"/>
+          <p:cNvGraphicFramePr/>
+          <p:nvPr>
+            <p:extLst>
+              <p:ext uri="{D42A27DB-BD31-4B8C-83A1-F6EECF244321}">
+                <p14:modId xmlns:p14="http://schemas.microsoft.com/office/powerpoint/2010/main" val="1234676946"/>
+              </p:ext>
+            </p:extLst>
+          </p:nvPr>
+        </p:nvGraphicFramePr>
+        <p:xfrm>
+          <a:off x="3934692" y="1126835"/>
+          <a:ext cx="5449453" cy="4830619"/>
+        </p:xfrm>
+        <a:graphic>
+          <a:graphicData uri="http://schemas.openxmlformats.org/drawingml/2006/chart">
+            <c:chart xmlns:c="http://schemas.openxmlformats.org/drawingml/2006/chart" xmlns:r="http://schemas.openxmlformats.org/officeDocument/2006/relationships" r:id="rId2"/>
+          </a:graphicData>
+        </a:graphic>
+      </p:graphicFrame>
+    </p:spTree>
+    <p:extLst>
+      <p:ext uri="{BB962C8B-B14F-4D97-AF65-F5344CB8AC3E}">
+        <p14:creationId xmlns:p14="http://schemas.microsoft.com/office/powerpoint/2010/main" val="477312862"/>
+      </p:ext>
+    </p:extLst>
+  </p:cSld>
+  <p:clrMapOvr>
+    <a:masterClrMapping/>
+  </p:clrMapOvr>
+  <p:timing>
+    <p:tnLst>
+      <p:par>
+        <p:cTn id="1" dur="indefinite" restart="never" nodeType="tmRoot"/>
+      </p:par>
+    </p:tnLst>
+  </p:timing>
+</p:sld>
+</file>
+
+<file path=ppt/slides/slide5.xml><?xml version="1.0" encoding="utf-8"?>
+<p:sld xmlns:a="http://schemas.openxmlformats.org/drawingml/2006/main" xmlns:r="http://schemas.openxmlformats.org/officeDocument/2006/relationships" xmlns:p="http://schemas.openxmlformats.org/presentationml/2006/main">
+  <p:cSld>
+    <p:spTree>
+      <p:nvGrpSpPr>
+        <p:cNvPr id="1" name=""/>
+        <p:cNvGrpSpPr/>
+        <p:nvPr/>
+      </p:nvGrpSpPr>
+      <p:grpSpPr>
+        <a:xfrm>
+          <a:off x="0" y="0"/>
+          <a:ext cx="0" cy="0"/>
+          <a:chOff x="0" y="0"/>
+          <a:chExt cx="0" cy="0"/>
+        </a:xfrm>
+      </p:grpSpPr>
+      <p:sp>
+        <p:nvSpPr>
+          <p:cNvPr id="2" name="Title 1"/>
+          <p:cNvSpPr>
+            <a:spLocks noGrp="1"/>
+          </p:cNvSpPr>
+          <p:nvPr>
+            <p:ph type="title"/>
+          </p:nvPr>
+        </p:nvSpPr>
+        <p:spPr/>
+        <p:txBody>
+          <a:bodyPr/>
+          <a:lstStyle/>
+          <a:p>
+            <a:pPr algn="ctr"/>
+            <a:r>
+              <a:rPr lang="en-US" dirty="0" smtClean="0"/>
+              <a:t>What is </a:t>
+            </a:r>
+            <a:r>
+              <a:rPr lang="en-US" dirty="0" err="1" smtClean="0"/>
+              <a:t>Xcode</a:t>
+            </a:r>
+            <a:endParaRPr lang="en-US" dirty="0"/>
+          </a:p>
+        </p:txBody>
+      </p:sp>
+      <p:sp>
+        <p:nvSpPr>
+          <p:cNvPr id="3" name="Content Placeholder 2"/>
+          <p:cNvSpPr>
+            <a:spLocks noGrp="1"/>
+          </p:cNvSpPr>
+          <p:nvPr>
+            <p:ph idx="1"/>
+          </p:nvPr>
+        </p:nvSpPr>
+        <p:spPr/>
+        <p:txBody>
+          <a:bodyPr>
+            <a:normAutofit/>
+          </a:bodyPr>
+          <a:lstStyle/>
+          <a:p>
+            <a:pPr>
+              <a:buFont typeface="Wingdings" panose="05000000000000000000" pitchFamily="2" charset="2"/>
+              <a:buChar char="Ø"/>
+            </a:pPr>
+            <a:r>
+              <a:rPr lang="en-US" b="1" dirty="0" err="1">
+                <a:solidFill>
+                  <a:schemeClr val="accent1"/>
+                </a:solidFill>
+              </a:rPr>
+              <a:t>Xcode</a:t>
+            </a:r>
+            <a:r>
+              <a:rPr lang="en-US" dirty="0"/>
+              <a:t> is an </a:t>
+            </a:r>
+            <a:r>
+              <a:rPr lang="en-US" dirty="0">
+                <a:hlinkClick r:id="rId2" tooltip="Integrated development environment"/>
+              </a:rPr>
+              <a:t>integrated development environment</a:t>
+            </a:r>
+            <a:r>
+              <a:rPr lang="en-US" dirty="0"/>
+              <a:t> </a:t>
+            </a:r>
+            <a:r>
+              <a:rPr lang="en-US" dirty="0">
+                <a:solidFill>
+                  <a:schemeClr val="tx1"/>
+                </a:solidFill>
+              </a:rPr>
+              <a:t>(IDE) for </a:t>
+            </a:r>
+            <a:r>
+              <a:rPr lang="en-US" dirty="0" err="1" smtClean="0">
+                <a:solidFill>
+                  <a:schemeClr val="tx1"/>
+                </a:solidFill>
+              </a:rPr>
+              <a:t>macOS</a:t>
+            </a:r>
+            <a:r>
+              <a:rPr lang="en-US" dirty="0">
+                <a:solidFill>
+                  <a:schemeClr val="tx1"/>
+                </a:solidFill>
+              </a:rPr>
+              <a:t> containing a suite </a:t>
+            </a:r>
+            <a:r>
+              <a:rPr lang="en-US" dirty="0" smtClean="0">
+                <a:solidFill>
+                  <a:schemeClr val="tx1"/>
+                </a:solidFill>
+              </a:rPr>
+              <a:t>of</a:t>
+            </a:r>
+            <a:r>
+              <a:rPr lang="en-US" dirty="0">
+                <a:solidFill>
+                  <a:schemeClr val="tx1"/>
+                </a:solidFill>
+              </a:rPr>
+              <a:t> </a:t>
+            </a:r>
+            <a:r>
+              <a:rPr lang="en-US" dirty="0" smtClean="0">
+                <a:solidFill>
+                  <a:schemeClr val="tx1"/>
+                </a:solidFill>
+              </a:rPr>
+              <a:t>software development</a:t>
+            </a:r>
+            <a:r>
+              <a:rPr lang="en-US" dirty="0">
+                <a:solidFill>
+                  <a:schemeClr val="tx1"/>
+                </a:solidFill>
+              </a:rPr>
+              <a:t> tools developed by </a:t>
+            </a:r>
+            <a:r>
+              <a:rPr lang="en-US" dirty="0" smtClean="0">
+                <a:solidFill>
+                  <a:schemeClr val="tx1"/>
+                </a:solidFill>
+              </a:rPr>
+              <a:t>Apple</a:t>
+            </a:r>
+            <a:r>
+              <a:rPr lang="en-US" dirty="0">
+                <a:solidFill>
+                  <a:schemeClr val="tx1"/>
+                </a:solidFill>
+              </a:rPr>
+              <a:t> for developing software for </a:t>
+            </a:r>
+            <a:r>
+              <a:rPr lang="en-US" dirty="0" err="1">
+                <a:solidFill>
+                  <a:schemeClr val="tx1"/>
+                </a:solidFill>
+              </a:rPr>
+              <a:t>macOS</a:t>
+            </a:r>
+            <a:r>
+              <a:rPr lang="en-US" dirty="0">
+                <a:solidFill>
+                  <a:schemeClr val="tx1"/>
+                </a:solidFill>
+              </a:rPr>
+              <a:t>, </a:t>
+            </a:r>
+            <a:r>
+              <a:rPr lang="en-US" dirty="0" err="1" smtClean="0">
+                <a:solidFill>
+                  <a:schemeClr val="tx1"/>
+                </a:solidFill>
+              </a:rPr>
+              <a:t>iOS</a:t>
+            </a:r>
+            <a:r>
+              <a:rPr lang="en-US" dirty="0" smtClean="0">
+                <a:solidFill>
+                  <a:schemeClr val="tx1"/>
+                </a:solidFill>
+              </a:rPr>
+              <a:t>,</a:t>
+            </a:r>
+            <a:r>
+              <a:rPr lang="en-US" dirty="0">
+                <a:solidFill>
+                  <a:schemeClr val="tx1"/>
+                </a:solidFill>
+              </a:rPr>
+              <a:t> </a:t>
+            </a:r>
+            <a:r>
+              <a:rPr lang="en-US" dirty="0" err="1" smtClean="0">
+                <a:solidFill>
+                  <a:schemeClr val="tx1"/>
+                </a:solidFill>
+              </a:rPr>
+              <a:t>iPadOS</a:t>
+            </a:r>
+            <a:r>
+              <a:rPr lang="en-US" dirty="0" smtClean="0">
+                <a:solidFill>
+                  <a:schemeClr val="tx1"/>
+                </a:solidFill>
+              </a:rPr>
+              <a:t>,</a:t>
+            </a:r>
+            <a:r>
+              <a:rPr lang="en-US" dirty="0">
+                <a:solidFill>
+                  <a:schemeClr val="tx1"/>
+                </a:solidFill>
+              </a:rPr>
+              <a:t> </a:t>
+            </a:r>
+            <a:r>
+              <a:rPr lang="en-US" dirty="0" err="1" smtClean="0">
+                <a:solidFill>
+                  <a:schemeClr val="tx1"/>
+                </a:solidFill>
+              </a:rPr>
+              <a:t>watchOS</a:t>
+            </a:r>
+            <a:r>
+              <a:rPr lang="en-US" dirty="0" smtClean="0">
+                <a:solidFill>
+                  <a:schemeClr val="tx1"/>
+                </a:solidFill>
+              </a:rPr>
+              <a:t>, </a:t>
+            </a:r>
+            <a:r>
+              <a:rPr lang="en-US" dirty="0">
+                <a:solidFill>
+                  <a:schemeClr val="tx1"/>
+                </a:solidFill>
+              </a:rPr>
+              <a:t>and </a:t>
+            </a:r>
+            <a:r>
+              <a:rPr lang="en-US" dirty="0" err="1" smtClean="0">
+                <a:solidFill>
+                  <a:schemeClr val="tx1"/>
+                </a:solidFill>
+              </a:rPr>
+              <a:t>tvOS</a:t>
+            </a:r>
+            <a:r>
+              <a:rPr lang="en-US" dirty="0" smtClean="0">
+                <a:solidFill>
+                  <a:schemeClr val="tx1"/>
+                </a:solidFill>
+              </a:rPr>
+              <a:t>.</a:t>
+            </a:r>
+          </a:p>
+          <a:p>
+            <a:pPr marL="0" indent="0">
+              <a:buNone/>
+            </a:pPr>
+            <a:endParaRPr lang="en-US" dirty="0" smtClean="0"/>
+          </a:p>
+          <a:p>
+            <a:pPr>
+              <a:buFont typeface="Wingdings" panose="05000000000000000000" pitchFamily="2" charset="2"/>
+              <a:buChar char="Ø"/>
+            </a:pPr>
+            <a:r>
+              <a:rPr lang="en-US" dirty="0" smtClean="0"/>
+              <a:t>Now the version is </a:t>
+            </a:r>
+            <a:r>
+              <a:rPr lang="en-US" b="1" dirty="0" smtClean="0"/>
+              <a:t>12.1, released </a:t>
+            </a:r>
+            <a:r>
+              <a:rPr lang="en-US" dirty="0" smtClean="0"/>
+              <a:t>October </a:t>
+            </a:r>
+            <a:r>
+              <a:rPr lang="en-US" dirty="0"/>
+              <a:t>20, </a:t>
+            </a:r>
+            <a:r>
+              <a:rPr lang="en-US" dirty="0" smtClean="0"/>
+              <a:t>2020.</a:t>
+            </a:r>
+          </a:p>
+          <a:p>
+            <a:pPr>
+              <a:buFont typeface="Wingdings" panose="05000000000000000000" pitchFamily="2" charset="2"/>
+              <a:buChar char="Ø"/>
+            </a:pPr>
+            <a:endParaRPr lang="en-US" dirty="0"/>
+          </a:p>
+          <a:p>
+            <a:pPr>
+              <a:buFont typeface="Wingdings" panose="05000000000000000000" pitchFamily="2" charset="2"/>
+              <a:buChar char="Ø"/>
+            </a:pPr>
+            <a:r>
+              <a:rPr lang="en-US" dirty="0" smtClean="0"/>
+              <a:t>New features: </a:t>
+            </a:r>
+            <a:r>
+              <a:rPr lang="en-US" dirty="0" err="1" smtClean="0"/>
+              <a:t>SwiftUI</a:t>
+            </a:r>
+            <a:r>
+              <a:rPr lang="en-US" dirty="0" smtClean="0"/>
+              <a:t>, </a:t>
+            </a:r>
+            <a:r>
+              <a:rPr lang="en-US" dirty="0"/>
+              <a:t>Document </a:t>
+            </a:r>
+            <a:r>
+              <a:rPr lang="en-US" dirty="0" smtClean="0"/>
+              <a:t>tabs, </a:t>
+            </a:r>
+            <a:r>
+              <a:rPr lang="en-US" dirty="0"/>
+              <a:t>Navigator font </a:t>
+            </a:r>
+            <a:r>
+              <a:rPr lang="en-US" dirty="0" smtClean="0"/>
+              <a:t>sizes, </a:t>
+            </a:r>
+            <a:r>
+              <a:rPr lang="en-US" dirty="0"/>
+              <a:t>Code </a:t>
+            </a:r>
+            <a:r>
+              <a:rPr lang="en-US" dirty="0" smtClean="0"/>
+              <a:t>completion, </a:t>
+            </a:r>
+            <a:r>
+              <a:rPr lang="en-US" dirty="0"/>
+              <a:t>Redesigned </a:t>
+            </a:r>
+            <a:r>
+              <a:rPr lang="en-US" dirty="0" smtClean="0"/>
+              <a:t>organizer, Devices, Simulator, </a:t>
+            </a:r>
+            <a:r>
+              <a:rPr lang="en-US" dirty="0"/>
+              <a:t>Swift </a:t>
+            </a:r>
+            <a:r>
+              <a:rPr lang="en-US" dirty="0" smtClean="0"/>
+              <a:t>Packages, Playgrounds, </a:t>
+            </a:r>
+            <a:r>
+              <a:rPr lang="en-US" dirty="0"/>
+              <a:t>Project </a:t>
+            </a:r>
+            <a:r>
+              <a:rPr lang="en-US" dirty="0" smtClean="0"/>
+              <a:t>Editor, </a:t>
+            </a:r>
+            <a:r>
+              <a:rPr lang="en-US" dirty="0"/>
+              <a:t>Interface </a:t>
+            </a:r>
+            <a:r>
+              <a:rPr lang="en-US" dirty="0" smtClean="0"/>
+              <a:t>Builder, </a:t>
+            </a:r>
+            <a:r>
+              <a:rPr lang="en-US"/>
+              <a:t>Universal </a:t>
+            </a:r>
+            <a:r>
+              <a:rPr lang="en-US" smtClean="0"/>
+              <a:t>Apps,…</a:t>
+            </a:r>
+            <a:endParaRPr lang="en-US"/>
+          </a:p>
+          <a:p>
+            <a:pPr>
+              <a:buFont typeface="Wingdings" panose="05000000000000000000" pitchFamily="2" charset="2"/>
+              <a:buChar char="Ø"/>
+            </a:pPr>
+            <a:endParaRPr lang="en-US" dirty="0"/>
+          </a:p>
+          <a:p>
+            <a:pPr>
+              <a:buFont typeface="Wingdings" panose="05000000000000000000" pitchFamily="2" charset="2"/>
+              <a:buChar char="Ø"/>
+            </a:pPr>
+            <a:endParaRPr lang="en-US" dirty="0"/>
+          </a:p>
+          <a:p>
+            <a:pPr>
+              <a:buFont typeface="Wingdings" panose="05000000000000000000" pitchFamily="2" charset="2"/>
+              <a:buChar char="Ø"/>
+            </a:pPr>
+            <a:endParaRPr lang="en-US" dirty="0"/>
+          </a:p>
+          <a:p>
+            <a:pPr>
+              <a:buFont typeface="Wingdings" panose="05000000000000000000" pitchFamily="2" charset="2"/>
+              <a:buChar char="Ø"/>
+            </a:pPr>
+            <a:endParaRPr lang="en-US" dirty="0"/>
+          </a:p>
+          <a:p>
+            <a:pPr>
+              <a:buFont typeface="Wingdings" panose="05000000000000000000" pitchFamily="2" charset="2"/>
+              <a:buChar char="Ø"/>
+            </a:pPr>
+            <a:endParaRPr lang="en-US" dirty="0"/>
+          </a:p>
+          <a:p>
+            <a:pPr>
+              <a:buFont typeface="Wingdings" panose="05000000000000000000" pitchFamily="2" charset="2"/>
+              <a:buChar char="Ø"/>
+            </a:pPr>
+            <a:endParaRPr lang="en-US" dirty="0"/>
+          </a:p>
+          <a:p>
+            <a:pPr>
+              <a:buFont typeface="Wingdings" panose="05000000000000000000" pitchFamily="2" charset="2"/>
+              <a:buChar char="Ø"/>
+            </a:pPr>
+            <a:endParaRPr lang="en-US" dirty="0"/>
+          </a:p>
+        </p:txBody>
+      </p:sp>
+    </p:spTree>
+    <p:extLst>
+      <p:ext uri="{BB962C8B-B14F-4D97-AF65-F5344CB8AC3E}">
+        <p14:creationId xmlns:p14="http://schemas.microsoft.com/office/powerpoint/2010/main" val="965595471"/>
       </p:ext>
     </p:extLst>
   </p:cSld>

--- a/ios.pptx
+++ b/ios.pptx
@@ -9778,14 +9778,14 @@
               <a:t>Builder, </a:t>
             </a:r>
             <a:r>
-              <a:rPr lang="en-US"/>
+              <a:rPr lang="en-US" dirty="0"/>
               <a:t>Universal </a:t>
             </a:r>
             <a:r>
-              <a:rPr lang="en-US" smtClean="0"/>
+              <a:rPr lang="en-US" dirty="0" smtClean="0"/>
               <a:t>Apps,…</a:t>
             </a:r>
-            <a:endParaRPr lang="en-US"/>
+            <a:endParaRPr lang="en-US" dirty="0"/>
           </a:p>
           <a:p>
             <a:pPr>

--- a/ios.pptx
+++ b/ios.pptx
@@ -10,6 +10,8 @@
     <p:sldId id="258" r:id="rId4"/>
     <p:sldId id="259" r:id="rId5"/>
     <p:sldId id="260" r:id="rId6"/>
+    <p:sldId id="261" r:id="rId7"/>
+    <p:sldId id="262" r:id="rId8"/>
   </p:sldIdLst>
   <p:sldSz cx="12192000" cy="6858000"/>
   <p:notesSz cx="6858000" cy="9144000"/>
@@ -117,7 +119,7 @@
 </file>
 
 <file path=ppt/charts/chart1.xml><?xml version="1.0" encoding="utf-8"?>
-<c:chartSpace xmlns:c="http://schemas.openxmlformats.org/drawingml/2006/chart" xmlns:a="http://schemas.openxmlformats.org/drawingml/2006/main" xmlns:r="http://schemas.openxmlformats.org/officeDocument/2006/relationships">
+<c:chartSpace xmlns:c="http://schemas.openxmlformats.org/drawingml/2006/chart" xmlns:a="http://schemas.openxmlformats.org/drawingml/2006/main" xmlns:r="http://schemas.openxmlformats.org/officeDocument/2006/relationships" xmlns:c16r2="http://schemas.microsoft.com/office/drawing/2015/06/chart">
   <c:date1904 val="0"/>
   <c:lang val="en-US"/>
   <c:roundedCorners val="0"/>
@@ -195,7 +197,7 @@
               <a:cs typeface="+mn-cs"/>
             </a:defRPr>
           </a:pPr>
-          <a:endParaRPr lang="en-US"/>
+          <a:endParaRPr lang="en-VN"/>
         </a:p>
       </c:txPr>
     </c:title>
@@ -303,6 +305,11 @@
               </a:effectLst>
               <a:sp3d/>
             </c:spPr>
+            <c:extLst>
+              <c:ext xmlns:c16="http://schemas.microsoft.com/office/drawing/2014/chart" uri="{C3380CC4-5D6E-409C-BE32-E72D297353CC}">
+                <c16:uniqueId val="{00000001-52CC-F142-BD5A-EF2674BC6B6F}"/>
+              </c:ext>
+            </c:extLst>
           </c:dPt>
           <c:dPt>
             <c:idx val="1"/>
@@ -338,6 +345,11 @@
               </a:effectLst>
               <a:sp3d/>
             </c:spPr>
+            <c:extLst>
+              <c:ext xmlns:c16="http://schemas.microsoft.com/office/drawing/2014/chart" uri="{C3380CC4-5D6E-409C-BE32-E72D297353CC}">
+                <c16:uniqueId val="{00000003-52CC-F142-BD5A-EF2674BC6B6F}"/>
+              </c:ext>
+            </c:extLst>
           </c:dPt>
           <c:dPt>
             <c:idx val="2"/>
@@ -372,6 +384,11 @@
               </a:effectLst>
               <a:sp3d/>
             </c:spPr>
+            <c:extLst>
+              <c:ext xmlns:c16="http://schemas.microsoft.com/office/drawing/2014/chart" uri="{C3380CC4-5D6E-409C-BE32-E72D297353CC}">
+                <c16:uniqueId val="{00000005-52CC-F142-BD5A-EF2674BC6B6F}"/>
+              </c:ext>
+            </c:extLst>
           </c:dPt>
           <c:dLbls>
             <c:spPr>
@@ -400,7 +417,7 @@
                     <a:cs typeface="+mn-cs"/>
                   </a:defRPr>
                 </a:pPr>
-                <a:endParaRPr lang="en-US"/>
+                <a:endParaRPr lang="en-VN"/>
               </a:p>
             </c:txPr>
             <c:dLblPos val="outEnd"/>
@@ -426,9 +443,7 @@
               </c:spPr>
             </c:leaderLines>
             <c:extLst>
-              <c:ext xmlns:c15="http://schemas.microsoft.com/office/drawing/2012/chart" uri="{CE6537A1-D6FC-4f65-9D91-7224C49458BB}">
-                <c15:layout/>
-              </c:ext>
+              <c:ext xmlns:c15="http://schemas.microsoft.com/office/drawing/2012/chart" uri="{CE6537A1-D6FC-4f65-9D91-7224C49458BB}"/>
             </c:extLst>
           </c:dLbls>
           <c:cat>
@@ -466,9 +481,13 @@
               </c:numCache>
             </c:numRef>
           </c:val>
+          <c:extLst>
+            <c:ext xmlns:c16="http://schemas.microsoft.com/office/drawing/2014/chart" uri="{C3380CC4-5D6E-409C-BE32-E72D297353CC}">
+              <c16:uniqueId val="{00000006-52CC-F142-BD5A-EF2674BC6B6F}"/>
+            </c:ext>
+          </c:extLst>
         </c:ser>
         <c:dLbls>
-          <c:dLblPos val="inEnd"/>
           <c:showLegendKey val="0"/>
           <c:showVal val="0"/>
           <c:showCatName val="0"/>
@@ -525,7 +544,7 @@
               <a:cs typeface="+mn-cs"/>
             </a:defRPr>
           </a:pPr>
-          <a:endParaRPr lang="en-US"/>
+          <a:endParaRPr lang="en-VN"/>
         </a:p>
       </c:txPr>
     </c:legend>
@@ -547,7 +566,7 @@
       <a:pPr>
         <a:defRPr/>
       </a:pPr>
-      <a:endParaRPr lang="en-US"/>
+      <a:endParaRPr lang="en-VN"/>
     </a:p>
   </c:txPr>
   <c:externalData r:id="rId3">
@@ -1139,7 +1158,7 @@
           </a:lstStyle>
           <a:p>
             <a:r>
-              <a:rPr lang="en-US" smtClean="0"/>
+              <a:rPr lang="en-US"/>
               <a:t>Click to edit Master title style</a:t>
             </a:r>
             <a:endParaRPr lang="en-US" dirty="0"/>
@@ -1259,7 +1278,7 @@
           </a:lstStyle>
           <a:p>
             <a:r>
-              <a:rPr lang="en-US" smtClean="0"/>
+              <a:rPr lang="en-US"/>
               <a:t>Click to edit Master subtitle style</a:t>
             </a:r>
             <a:endParaRPr lang="en-US" dirty="0"/>
@@ -1283,7 +1302,7 @@
           <a:p>
             <a:fld id="{CCF68175-03BA-408C-A51E-CA375B5C4E65}" type="datetimeFigureOut">
               <a:rPr lang="en-US" smtClean="0"/>
-              <a:t>11/1/2020</a:t>
+              <a:t>11/2/20</a:t>
             </a:fld>
             <a:endParaRPr lang="en-US"/>
           </a:p>
@@ -1475,7 +1494,7 @@
           </a:lstStyle>
           <a:p>
             <a:r>
-              <a:rPr lang="en-US" smtClean="0"/>
+              <a:rPr lang="en-US"/>
               <a:t>Click to edit Master title style</a:t>
             </a:r>
             <a:endParaRPr lang="en-US" dirty="0"/>
@@ -1598,7 +1617,7 @@
           <a:p>
             <a:pPr lvl="0"/>
             <a:r>
-              <a:rPr lang="en-US" smtClean="0"/>
+              <a:rPr lang="en-US"/>
               <a:t>Click to edit Master text styles</a:t>
             </a:r>
           </a:p>
@@ -1621,7 +1640,7 @@
           <a:p>
             <a:fld id="{CCF68175-03BA-408C-A51E-CA375B5C4E65}" type="datetimeFigureOut">
               <a:rPr lang="en-US" smtClean="0"/>
-              <a:t>11/1/2020</a:t>
+              <a:t>11/2/20</a:t>
             </a:fld>
             <a:endParaRPr lang="en-US"/>
           </a:p>
@@ -1813,7 +1832,7 @@
           </a:lstStyle>
           <a:p>
             <a:r>
-              <a:rPr lang="en-US" smtClean="0"/>
+              <a:rPr lang="en-US"/>
               <a:t>Click to edit Master title style</a:t>
             </a:r>
             <a:endParaRPr lang="en-US" dirty="0"/>
@@ -1877,7 +1896,7 @@
           <a:p>
             <a:pPr lvl="0"/>
             <a:r>
-              <a:rPr lang="en-US" smtClean="0"/>
+              <a:rPr lang="en-US"/>
               <a:t>Click to edit Master text styles</a:t>
             </a:r>
           </a:p>
@@ -1999,7 +2018,7 @@
           <a:p>
             <a:pPr lvl="0"/>
             <a:r>
-              <a:rPr lang="en-US" smtClean="0"/>
+              <a:rPr lang="en-US"/>
               <a:t>Click to edit Master text styles</a:t>
             </a:r>
           </a:p>
@@ -2022,7 +2041,7 @@
           <a:p>
             <a:fld id="{CCF68175-03BA-408C-A51E-CA375B5C4E65}" type="datetimeFigureOut">
               <a:rPr lang="en-US" smtClean="0"/>
-              <a:t>11/1/2020</a:t>
+              <a:t>11/2/20</a:t>
             </a:fld>
             <a:endParaRPr lang="en-US"/>
           </a:p>
@@ -2290,7 +2309,7 @@
           </a:lstStyle>
           <a:p>
             <a:r>
-              <a:rPr lang="en-US" smtClean="0"/>
+              <a:rPr lang="en-US"/>
               <a:t>Click to edit Master title style</a:t>
             </a:r>
             <a:endParaRPr lang="en-US" dirty="0"/>
@@ -2335,7 +2354,7 @@
               <a:buNone/>
             </a:pPr>
             <a:r>
-              <a:rPr lang="en-US" smtClean="0"/>
+              <a:rPr lang="en-US"/>
               <a:t>Click to edit Master text styles</a:t>
             </a:r>
           </a:p>
@@ -2358,7 +2377,7 @@
           <a:p>
             <a:fld id="{CCF68175-03BA-408C-A51E-CA375B5C4E65}" type="datetimeFigureOut">
               <a:rPr lang="en-US" smtClean="0"/>
-              <a:t>11/1/2020</a:t>
+              <a:t>11/2/20</a:t>
             </a:fld>
             <a:endParaRPr lang="en-US"/>
           </a:p>
@@ -2550,7 +2569,7 @@
           </a:lstStyle>
           <a:p>
             <a:r>
-              <a:rPr lang="en-US" smtClean="0"/>
+              <a:rPr lang="en-US"/>
               <a:t>Click to edit Master title style</a:t>
             </a:r>
             <a:endParaRPr lang="en-US" dirty="0"/>
@@ -2611,7 +2630,7 @@
           <a:p>
             <a:pPr lvl="0"/>
             <a:r>
-              <a:rPr lang="en-US" smtClean="0"/>
+              <a:rPr lang="en-US"/>
               <a:t>Click to edit Master text styles</a:t>
             </a:r>
           </a:p>
@@ -2655,7 +2674,7 @@
               <a:buNone/>
             </a:pPr>
             <a:r>
-              <a:rPr lang="en-US" smtClean="0"/>
+              <a:rPr lang="en-US"/>
               <a:t>Click to edit Master text styles</a:t>
             </a:r>
           </a:p>
@@ -2678,7 +2697,7 @@
           <a:p>
             <a:fld id="{CCF68175-03BA-408C-A51E-CA375B5C4E65}" type="datetimeFigureOut">
               <a:rPr lang="en-US" smtClean="0"/>
-              <a:t>11/1/2020</a:t>
+              <a:t>11/2/20</a:t>
             </a:fld>
             <a:endParaRPr lang="en-US"/>
           </a:p>
@@ -2946,7 +2965,7 @@
           </a:lstStyle>
           <a:p>
             <a:r>
-              <a:rPr lang="en-US" smtClean="0"/>
+              <a:rPr lang="en-US"/>
               <a:t>Click to edit Master title style</a:t>
             </a:r>
             <a:endParaRPr lang="en-US" dirty="0"/>
@@ -3007,7 +3026,7 @@
           <a:p>
             <a:pPr lvl="0"/>
             <a:r>
-              <a:rPr lang="en-US" smtClean="0"/>
+              <a:rPr lang="en-US"/>
               <a:t>Click to edit Master text styles</a:t>
             </a:r>
           </a:p>
@@ -3051,7 +3070,7 @@
               <a:buNone/>
             </a:pPr>
             <a:r>
-              <a:rPr lang="en-US" smtClean="0"/>
+              <a:rPr lang="en-US"/>
               <a:t>Click to edit Master text styles</a:t>
             </a:r>
           </a:p>
@@ -3074,7 +3093,7 @@
           <a:p>
             <a:fld id="{CCF68175-03BA-408C-A51E-CA375B5C4E65}" type="datetimeFigureOut">
               <a:rPr lang="en-US" smtClean="0"/>
-              <a:t>11/1/2020</a:t>
+              <a:t>11/2/20</a:t>
             </a:fld>
             <a:endParaRPr lang="en-US"/>
           </a:p>
@@ -3255,7 +3274,7 @@
           <a:lstStyle/>
           <a:p>
             <a:r>
-              <a:rPr lang="en-US" smtClean="0"/>
+              <a:rPr lang="en-US"/>
               <a:t>Click to edit Master title style</a:t>
             </a:r>
             <a:endParaRPr lang="en-US" dirty="0"/>
@@ -3279,35 +3298,35 @@
           <a:p>
             <a:pPr lvl="0"/>
             <a:r>
-              <a:rPr lang="en-US" smtClean="0"/>
+              <a:rPr lang="en-US"/>
               <a:t>Click to edit Master text styles</a:t>
             </a:r>
           </a:p>
           <a:p>
             <a:pPr lvl="1"/>
             <a:r>
-              <a:rPr lang="en-US" smtClean="0"/>
+              <a:rPr lang="en-US"/>
               <a:t>Second level</a:t>
             </a:r>
           </a:p>
           <a:p>
             <a:pPr lvl="2"/>
             <a:r>
-              <a:rPr lang="en-US" smtClean="0"/>
+              <a:rPr lang="en-US"/>
               <a:t>Third level</a:t>
             </a:r>
           </a:p>
           <a:p>
             <a:pPr lvl="3"/>
             <a:r>
-              <a:rPr lang="en-US" smtClean="0"/>
+              <a:rPr lang="en-US"/>
               <a:t>Fourth level</a:t>
             </a:r>
           </a:p>
           <a:p>
             <a:pPr lvl="4"/>
             <a:r>
-              <a:rPr lang="en-US" smtClean="0"/>
+              <a:rPr lang="en-US"/>
               <a:t>Fifth level</a:t>
             </a:r>
             <a:endParaRPr lang="en-US" dirty="0"/>
@@ -3331,7 +3350,7 @@
           <a:p>
             <a:fld id="{CCF68175-03BA-408C-A51E-CA375B5C4E65}" type="datetimeFigureOut">
               <a:rPr lang="en-US" smtClean="0"/>
-              <a:t>11/1/2020</a:t>
+              <a:t>11/2/20</a:t>
             </a:fld>
             <a:endParaRPr lang="en-US"/>
           </a:p>
@@ -3512,7 +3531,7 @@
           <a:lstStyle/>
           <a:p>
             <a:r>
-              <a:rPr lang="en-US" smtClean="0"/>
+              <a:rPr lang="en-US"/>
               <a:t>Click to edit Master title style</a:t>
             </a:r>
             <a:endParaRPr lang="en-US" dirty="0"/>
@@ -3541,35 +3560,35 @@
           <a:p>
             <a:pPr lvl="0"/>
             <a:r>
-              <a:rPr lang="en-US" smtClean="0"/>
+              <a:rPr lang="en-US"/>
               <a:t>Click to edit Master text styles</a:t>
             </a:r>
           </a:p>
           <a:p>
             <a:pPr lvl="1"/>
             <a:r>
-              <a:rPr lang="en-US" smtClean="0"/>
+              <a:rPr lang="en-US"/>
               <a:t>Second level</a:t>
             </a:r>
           </a:p>
           <a:p>
             <a:pPr lvl="2"/>
             <a:r>
-              <a:rPr lang="en-US" smtClean="0"/>
+              <a:rPr lang="en-US"/>
               <a:t>Third level</a:t>
             </a:r>
           </a:p>
           <a:p>
             <a:pPr lvl="3"/>
             <a:r>
-              <a:rPr lang="en-US" smtClean="0"/>
+              <a:rPr lang="en-US"/>
               <a:t>Fourth level</a:t>
             </a:r>
           </a:p>
           <a:p>
             <a:pPr lvl="4"/>
             <a:r>
-              <a:rPr lang="en-US" smtClean="0"/>
+              <a:rPr lang="en-US"/>
               <a:t>Fifth level</a:t>
             </a:r>
             <a:endParaRPr lang="en-US" dirty="0"/>
@@ -3593,7 +3612,7 @@
           <a:p>
             <a:fld id="{CCF68175-03BA-408C-A51E-CA375B5C4E65}" type="datetimeFigureOut">
               <a:rPr lang="en-US" smtClean="0"/>
-              <a:t>11/1/2020</a:t>
+              <a:t>11/2/20</a:t>
             </a:fld>
             <a:endParaRPr lang="en-US"/>
           </a:p>
@@ -3774,7 +3793,7 @@
           <a:lstStyle/>
           <a:p>
             <a:r>
-              <a:rPr lang="en-US" smtClean="0"/>
+              <a:rPr lang="en-US"/>
               <a:t>Click to edit Master title style</a:t>
             </a:r>
             <a:endParaRPr lang="en-US" dirty="0"/>
@@ -3803,35 +3822,35 @@
           <a:p>
             <a:pPr lvl="0"/>
             <a:r>
-              <a:rPr lang="en-US" smtClean="0"/>
+              <a:rPr lang="en-US"/>
               <a:t>Click to edit Master text styles</a:t>
             </a:r>
           </a:p>
           <a:p>
             <a:pPr lvl="1"/>
             <a:r>
-              <a:rPr lang="en-US" smtClean="0"/>
+              <a:rPr lang="en-US"/>
               <a:t>Second level</a:t>
             </a:r>
           </a:p>
           <a:p>
             <a:pPr lvl="2"/>
             <a:r>
-              <a:rPr lang="en-US" smtClean="0"/>
+              <a:rPr lang="en-US"/>
               <a:t>Third level</a:t>
             </a:r>
           </a:p>
           <a:p>
             <a:pPr lvl="3"/>
             <a:r>
-              <a:rPr lang="en-US" smtClean="0"/>
+              <a:rPr lang="en-US"/>
               <a:t>Fourth level</a:t>
             </a:r>
           </a:p>
           <a:p>
             <a:pPr lvl="4"/>
             <a:r>
-              <a:rPr lang="en-US" smtClean="0"/>
+              <a:rPr lang="en-US"/>
               <a:t>Fifth level</a:t>
             </a:r>
             <a:endParaRPr lang="en-US" dirty="0"/>
@@ -3855,7 +3874,7 @@
           <a:p>
             <a:fld id="{CCF68175-03BA-408C-A51E-CA375B5C4E65}" type="datetimeFigureOut">
               <a:rPr lang="en-US" smtClean="0"/>
-              <a:t>11/1/2020</a:t>
+              <a:t>11/2/20</a:t>
             </a:fld>
             <a:endParaRPr lang="en-US"/>
           </a:p>
@@ -4040,7 +4059,7 @@
           </a:lstStyle>
           <a:p>
             <a:r>
-              <a:rPr lang="en-US" smtClean="0"/>
+              <a:rPr lang="en-US"/>
               <a:t>Click to edit Master title style</a:t>
             </a:r>
             <a:endParaRPr lang="en-US" dirty="0"/>
@@ -4161,7 +4180,7 @@
           <a:p>
             <a:pPr lvl="0"/>
             <a:r>
-              <a:rPr lang="en-US" smtClean="0"/>
+              <a:rPr lang="en-US"/>
               <a:t>Click to edit Master text styles</a:t>
             </a:r>
           </a:p>
@@ -4184,7 +4203,7 @@
           <a:p>
             <a:fld id="{CCF68175-03BA-408C-A51E-CA375B5C4E65}" type="datetimeFigureOut">
               <a:rPr lang="en-US" smtClean="0"/>
-              <a:t>11/1/2020</a:t>
+              <a:t>11/2/20</a:t>
             </a:fld>
             <a:endParaRPr lang="en-US"/>
           </a:p>
@@ -4365,7 +4384,7 @@
           <a:lstStyle/>
           <a:p>
             <a:r>
-              <a:rPr lang="en-US" smtClean="0"/>
+              <a:rPr lang="en-US"/>
               <a:t>Click to edit Master title style</a:t>
             </a:r>
             <a:endParaRPr lang="en-US" dirty="0"/>
@@ -4396,35 +4415,35 @@
           <a:p>
             <a:pPr lvl="0"/>
             <a:r>
-              <a:rPr lang="en-US" smtClean="0"/>
+              <a:rPr lang="en-US"/>
               <a:t>Click to edit Master text styles</a:t>
             </a:r>
           </a:p>
           <a:p>
             <a:pPr lvl="1"/>
             <a:r>
-              <a:rPr lang="en-US" smtClean="0"/>
+              <a:rPr lang="en-US"/>
               <a:t>Second level</a:t>
             </a:r>
           </a:p>
           <a:p>
             <a:pPr lvl="2"/>
             <a:r>
-              <a:rPr lang="en-US" smtClean="0"/>
+              <a:rPr lang="en-US"/>
               <a:t>Third level</a:t>
             </a:r>
           </a:p>
           <a:p>
             <a:pPr lvl="3"/>
             <a:r>
-              <a:rPr lang="en-US" smtClean="0"/>
+              <a:rPr lang="en-US"/>
               <a:t>Fourth level</a:t>
             </a:r>
           </a:p>
           <a:p>
             <a:pPr lvl="4"/>
             <a:r>
-              <a:rPr lang="en-US" smtClean="0"/>
+              <a:rPr lang="en-US"/>
               <a:t>Fifth level</a:t>
             </a:r>
             <a:endParaRPr lang="en-US" dirty="0"/>
@@ -4455,35 +4474,35 @@
           <a:p>
             <a:pPr lvl="0"/>
             <a:r>
-              <a:rPr lang="en-US" smtClean="0"/>
+              <a:rPr lang="en-US"/>
               <a:t>Click to edit Master text styles</a:t>
             </a:r>
           </a:p>
           <a:p>
             <a:pPr lvl="1"/>
             <a:r>
-              <a:rPr lang="en-US" smtClean="0"/>
+              <a:rPr lang="en-US"/>
               <a:t>Second level</a:t>
             </a:r>
           </a:p>
           <a:p>
             <a:pPr lvl="2"/>
             <a:r>
-              <a:rPr lang="en-US" smtClean="0"/>
+              <a:rPr lang="en-US"/>
               <a:t>Third level</a:t>
             </a:r>
           </a:p>
           <a:p>
             <a:pPr lvl="3"/>
             <a:r>
-              <a:rPr lang="en-US" smtClean="0"/>
+              <a:rPr lang="en-US"/>
               <a:t>Fourth level</a:t>
             </a:r>
           </a:p>
           <a:p>
             <a:pPr lvl="4"/>
             <a:r>
-              <a:rPr lang="en-US" smtClean="0"/>
+              <a:rPr lang="en-US"/>
               <a:t>Fifth level</a:t>
             </a:r>
             <a:endParaRPr lang="en-US" dirty="0"/>
@@ -4507,7 +4526,7 @@
           <a:p>
             <a:fld id="{CCF68175-03BA-408C-A51E-CA375B5C4E65}" type="datetimeFigureOut">
               <a:rPr lang="en-US" smtClean="0"/>
-              <a:t>11/1/2020</a:t>
+              <a:t>11/2/20</a:t>
             </a:fld>
             <a:endParaRPr lang="en-US"/>
           </a:p>
@@ -4688,7 +4707,7 @@
           <a:lstStyle/>
           <a:p>
             <a:r>
-              <a:rPr lang="en-US" smtClean="0"/>
+              <a:rPr lang="en-US"/>
               <a:t>Click to edit Master title style</a:t>
             </a:r>
             <a:endParaRPr lang="en-US" dirty="0"/>
@@ -4756,7 +4775,7 @@
           <a:p>
             <a:pPr lvl="0"/>
             <a:r>
-              <a:rPr lang="en-US" smtClean="0"/>
+              <a:rPr lang="en-US"/>
               <a:t>Click to edit Master text styles</a:t>
             </a:r>
           </a:p>
@@ -4786,35 +4805,35 @@
           <a:p>
             <a:pPr lvl="0"/>
             <a:r>
-              <a:rPr lang="en-US" smtClean="0"/>
+              <a:rPr lang="en-US"/>
               <a:t>Click to edit Master text styles</a:t>
             </a:r>
           </a:p>
           <a:p>
             <a:pPr lvl="1"/>
             <a:r>
-              <a:rPr lang="en-US" smtClean="0"/>
+              <a:rPr lang="en-US"/>
               <a:t>Second level</a:t>
             </a:r>
           </a:p>
           <a:p>
             <a:pPr lvl="2"/>
             <a:r>
-              <a:rPr lang="en-US" smtClean="0"/>
+              <a:rPr lang="en-US"/>
               <a:t>Third level</a:t>
             </a:r>
           </a:p>
           <a:p>
             <a:pPr lvl="3"/>
             <a:r>
-              <a:rPr lang="en-US" smtClean="0"/>
+              <a:rPr lang="en-US"/>
               <a:t>Fourth level</a:t>
             </a:r>
           </a:p>
           <a:p>
             <a:pPr lvl="4"/>
             <a:r>
-              <a:rPr lang="en-US" smtClean="0"/>
+              <a:rPr lang="en-US"/>
               <a:t>Fifth level</a:t>
             </a:r>
             <a:endParaRPr lang="en-US" dirty="0"/>
@@ -4882,7 +4901,7 @@
           <a:p>
             <a:pPr lvl="0"/>
             <a:r>
-              <a:rPr lang="en-US" smtClean="0"/>
+              <a:rPr lang="en-US"/>
               <a:t>Click to edit Master text styles</a:t>
             </a:r>
           </a:p>
@@ -4912,35 +4931,35 @@
           <a:p>
             <a:pPr lvl="0"/>
             <a:r>
-              <a:rPr lang="en-US" smtClean="0"/>
+              <a:rPr lang="en-US"/>
               <a:t>Click to edit Master text styles</a:t>
             </a:r>
           </a:p>
           <a:p>
             <a:pPr lvl="1"/>
             <a:r>
-              <a:rPr lang="en-US" smtClean="0"/>
+              <a:rPr lang="en-US"/>
               <a:t>Second level</a:t>
             </a:r>
           </a:p>
           <a:p>
             <a:pPr lvl="2"/>
             <a:r>
-              <a:rPr lang="en-US" smtClean="0"/>
+              <a:rPr lang="en-US"/>
               <a:t>Third level</a:t>
             </a:r>
           </a:p>
           <a:p>
             <a:pPr lvl="3"/>
             <a:r>
-              <a:rPr lang="en-US" smtClean="0"/>
+              <a:rPr lang="en-US"/>
               <a:t>Fourth level</a:t>
             </a:r>
           </a:p>
           <a:p>
             <a:pPr lvl="4"/>
             <a:r>
-              <a:rPr lang="en-US" smtClean="0"/>
+              <a:rPr lang="en-US"/>
               <a:t>Fifth level</a:t>
             </a:r>
             <a:endParaRPr lang="en-US" dirty="0"/>
@@ -4964,7 +4983,7 @@
           <a:p>
             <a:fld id="{CCF68175-03BA-408C-A51E-CA375B5C4E65}" type="datetimeFigureOut">
               <a:rPr lang="en-US" smtClean="0"/>
-              <a:t>11/1/2020</a:t>
+              <a:t>11/2/20</a:t>
             </a:fld>
             <a:endParaRPr lang="en-US"/>
           </a:p>
@@ -5145,7 +5164,7 @@
           <a:lstStyle/>
           <a:p>
             <a:r>
-              <a:rPr lang="en-US" smtClean="0"/>
+              <a:rPr lang="en-US"/>
               <a:t>Click to edit Master title style</a:t>
             </a:r>
             <a:endParaRPr lang="en-US" dirty="0"/>
@@ -5169,7 +5188,7 @@
           <a:p>
             <a:fld id="{CCF68175-03BA-408C-A51E-CA375B5C4E65}" type="datetimeFigureOut">
               <a:rPr lang="en-US" smtClean="0"/>
-              <a:t>11/1/2020</a:t>
+              <a:t>11/2/20</a:t>
             </a:fld>
             <a:endParaRPr lang="en-US"/>
           </a:p>
@@ -5346,7 +5365,7 @@
           <a:p>
             <a:fld id="{CCF68175-03BA-408C-A51E-CA375B5C4E65}" type="datetimeFigureOut">
               <a:rPr lang="en-US" smtClean="0"/>
-              <a:t>11/1/2020</a:t>
+              <a:t>11/2/20</a:t>
             </a:fld>
             <a:endParaRPr lang="en-US"/>
           </a:p>
@@ -5531,7 +5550,7 @@
           </a:lstStyle>
           <a:p>
             <a:r>
-              <a:rPr lang="en-US" smtClean="0"/>
+              <a:rPr lang="en-US"/>
               <a:t>Click to edit Master title style</a:t>
             </a:r>
             <a:endParaRPr lang="en-US" dirty="0"/>
@@ -5562,35 +5581,35 @@
           <a:p>
             <a:pPr lvl="0"/>
             <a:r>
-              <a:rPr lang="en-US" smtClean="0"/>
+              <a:rPr lang="en-US"/>
               <a:t>Click to edit Master text styles</a:t>
             </a:r>
           </a:p>
           <a:p>
             <a:pPr lvl="1"/>
             <a:r>
-              <a:rPr lang="en-US" smtClean="0"/>
+              <a:rPr lang="en-US"/>
               <a:t>Second level</a:t>
             </a:r>
           </a:p>
           <a:p>
             <a:pPr lvl="2"/>
             <a:r>
-              <a:rPr lang="en-US" smtClean="0"/>
+              <a:rPr lang="en-US"/>
               <a:t>Third level</a:t>
             </a:r>
           </a:p>
           <a:p>
             <a:pPr lvl="3"/>
             <a:r>
-              <a:rPr lang="en-US" smtClean="0"/>
+              <a:rPr lang="en-US"/>
               <a:t>Fourth level</a:t>
             </a:r>
           </a:p>
           <a:p>
             <a:pPr lvl="4"/>
             <a:r>
-              <a:rPr lang="en-US" smtClean="0"/>
+              <a:rPr lang="en-US"/>
               <a:t>Fifth level</a:t>
             </a:r>
             <a:endParaRPr lang="en-US" dirty="0"/>
@@ -5656,7 +5675,7 @@
           <a:p>
             <a:pPr lvl="0"/>
             <a:r>
-              <a:rPr lang="en-US" smtClean="0"/>
+              <a:rPr lang="en-US"/>
               <a:t>Click to edit Master text styles</a:t>
             </a:r>
           </a:p>
@@ -5679,7 +5698,7 @@
           <a:p>
             <a:fld id="{CCF68175-03BA-408C-A51E-CA375B5C4E65}" type="datetimeFigureOut">
               <a:rPr lang="en-US" smtClean="0"/>
-              <a:t>11/1/2020</a:t>
+              <a:t>11/2/20</a:t>
             </a:fld>
             <a:endParaRPr lang="en-US"/>
           </a:p>
@@ -5866,7 +5885,7 @@
           </a:lstStyle>
           <a:p>
             <a:r>
-              <a:rPr lang="en-US" smtClean="0"/>
+              <a:rPr lang="en-US"/>
               <a:t>Click to edit Master title style</a:t>
             </a:r>
             <a:endParaRPr lang="en-US" dirty="0"/>
@@ -5933,7 +5952,7 @@
           </a:lstStyle>
           <a:p>
             <a:r>
-              <a:rPr lang="en-US" smtClean="0"/>
+              <a:rPr lang="en-US"/>
               <a:t>Click icon to add picture</a:t>
             </a:r>
             <a:endParaRPr lang="en-US" dirty="0"/>
@@ -6001,7 +6020,7 @@
           <a:p>
             <a:pPr lvl="0"/>
             <a:r>
-              <a:rPr lang="en-US" smtClean="0"/>
+              <a:rPr lang="en-US"/>
               <a:t>Click to edit Master text styles</a:t>
             </a:r>
           </a:p>
@@ -6024,7 +6043,7 @@
           <a:p>
             <a:fld id="{CCF68175-03BA-408C-A51E-CA375B5C4E65}" type="datetimeFigureOut">
               <a:rPr lang="en-US" smtClean="0"/>
-              <a:t>11/1/2020</a:t>
+              <a:t>11/2/20</a:t>
             </a:fld>
             <a:endParaRPr lang="en-US"/>
           </a:p>
@@ -7974,7 +7993,7 @@
           <a:lstStyle/>
           <a:p>
             <a:r>
-              <a:rPr lang="en-US" smtClean="0"/>
+              <a:rPr lang="en-US"/>
               <a:t>Click to edit Master title style</a:t>
             </a:r>
             <a:endParaRPr lang="en-US" dirty="0"/>
@@ -8008,35 +8027,35 @@
           <a:p>
             <a:pPr lvl="0"/>
             <a:r>
-              <a:rPr lang="en-US" smtClean="0"/>
+              <a:rPr lang="en-US"/>
               <a:t>Click to edit Master text styles</a:t>
             </a:r>
           </a:p>
           <a:p>
             <a:pPr lvl="1"/>
             <a:r>
-              <a:rPr lang="en-US" smtClean="0"/>
+              <a:rPr lang="en-US"/>
               <a:t>Second level</a:t>
             </a:r>
           </a:p>
           <a:p>
             <a:pPr lvl="2"/>
             <a:r>
-              <a:rPr lang="en-US" smtClean="0"/>
+              <a:rPr lang="en-US"/>
               <a:t>Third level</a:t>
             </a:r>
           </a:p>
           <a:p>
             <a:pPr lvl="3"/>
             <a:r>
-              <a:rPr lang="en-US" smtClean="0"/>
+              <a:rPr lang="en-US"/>
               <a:t>Fourth level</a:t>
             </a:r>
           </a:p>
           <a:p>
             <a:pPr lvl="4"/>
             <a:r>
-              <a:rPr lang="en-US" smtClean="0"/>
+              <a:rPr lang="en-US"/>
               <a:t>Fifth level</a:t>
             </a:r>
             <a:endParaRPr lang="en-US" dirty="0"/>
@@ -8078,7 +8097,7 @@
           <a:p>
             <a:fld id="{CCF68175-03BA-408C-A51E-CA375B5C4E65}" type="datetimeFigureOut">
               <a:rPr lang="en-US" smtClean="0"/>
-              <a:t>11/1/2020</a:t>
+              <a:t>11/2/20</a:t>
             </a:fld>
             <a:endParaRPr lang="en-US"/>
           </a:p>
@@ -8614,10 +8633,9 @@
           <a:lstStyle/>
           <a:p>
             <a:r>
-              <a:rPr lang="en-US" sz="4400" dirty="0" smtClean="0"/>
+              <a:rPr lang="en-US" sz="4400" dirty="0"/>
               <a:t>IOS Development</a:t>
             </a:r>
-            <a:endParaRPr lang="en-US" sz="4400" dirty="0"/>
           </a:p>
         </p:txBody>
       </p:sp>
@@ -8789,13 +8807,6 @@
   <p:clrMapOvr>
     <a:masterClrMapping/>
   </p:clrMapOvr>
-  <p:timing>
-    <p:tnLst>
-      <p:par>
-        <p:cTn id="1" dur="indefinite" restart="never" nodeType="tmRoot"/>
-      </p:par>
-    </p:tnLst>
-  </p:timing>
 </p:sld>
 </file>
 
@@ -8844,7 +8855,7 @@
               <a:buChar char="•"/>
             </a:pPr>
             <a:r>
-              <a:rPr lang="en-US" sz="2800" dirty="0" smtClean="0"/>
+              <a:rPr lang="en-US" sz="2800" dirty="0"/>
               <a:t>IOS</a:t>
             </a:r>
           </a:p>
@@ -8855,26 +8866,13 @@
               <a:buChar char="•"/>
             </a:pPr>
             <a:r>
-              <a:rPr lang="en-US" sz="2800" dirty="0" err="1" smtClean="0"/>
+              <a:rPr lang="en-US" sz="2800" dirty="0" err="1"/>
               <a:t>Xcode</a:t>
             </a:r>
             <a:r>
-              <a:rPr lang="en-US" sz="2800" dirty="0" smtClean="0"/>
-              <a:t>, </a:t>
-            </a:r>
-            <a:r>
-              <a:rPr lang="en-US" sz="2800" dirty="0" smtClean="0"/>
-              <a:t>Swift</a:t>
-            </a:r>
-            <a:r>
               <a:rPr lang="en-US" sz="2800" dirty="0"/>
-              <a:t>, Swift </a:t>
-            </a:r>
-            <a:r>
-              <a:rPr lang="en-US" sz="2800" dirty="0" smtClean="0"/>
-              <a:t>UI</a:t>
-            </a:r>
-            <a:endParaRPr lang="en-US" sz="2800" dirty="0" smtClean="0"/>
+              <a:t>, Swift, Swift UI</a:t>
+            </a:r>
           </a:p>
           <a:p>
             <a:pPr>
@@ -8883,12 +8881,8 @@
               <a:buChar char="•"/>
             </a:pPr>
             <a:r>
-              <a:rPr lang="en-US" sz="2800" dirty="0" smtClean="0"/>
-              <a:t>Apple </a:t>
-            </a:r>
-            <a:r>
-              <a:rPr lang="en-US" sz="2800" dirty="0" smtClean="0"/>
-              <a:t>Account</a:t>
+              <a:rPr lang="en-US" sz="2800" dirty="0"/>
+              <a:t>Apple Account</a:t>
             </a:r>
           </a:p>
           <a:p>
@@ -8898,7 +8892,7 @@
               <a:buChar char="•"/>
             </a:pPr>
             <a:r>
-              <a:rPr lang="en-US" sz="2800" dirty="0" smtClean="0"/>
+              <a:rPr lang="en-US" sz="2800" dirty="0"/>
               <a:t>Q&amp;A</a:t>
             </a:r>
           </a:p>
@@ -9078,13 +9072,6 @@
   <p:clrMapOvr>
     <a:masterClrMapping/>
   </p:clrMapOvr>
-  <p:timing>
-    <p:tnLst>
-      <p:par>
-        <p:cTn id="1" dur="indefinite" restart="never" nodeType="tmRoot"/>
-      </p:par>
-    </p:tnLst>
-  </p:timing>
 </p:sld>
 </file>
 
@@ -9120,13 +9107,12 @@
           <a:bodyPr/>
           <a:lstStyle/>
           <a:p>
-            <a:pPr algn="ctr"/>
-            <a:r>
-              <a:rPr lang="en-US" dirty="0" smtClean="0"/>
+            <a:r>
+              <a:rPr lang="en-US" dirty="0"/>
               <a:t>What is </a:t>
             </a:r>
             <a:r>
-              <a:rPr lang="en-US" dirty="0" err="1" smtClean="0"/>
+              <a:rPr lang="en-US" dirty="0" err="1"/>
               <a:t>iOS</a:t>
             </a:r>
             <a:endParaRPr lang="en-US" dirty="0"/>
@@ -9145,7 +9131,9 @@
         </p:nvSpPr>
         <p:spPr/>
         <p:txBody>
-          <a:bodyPr/>
+          <a:bodyPr>
+            <a:normAutofit/>
+          </a:bodyPr>
           <a:lstStyle/>
           <a:p>
             <a:pPr>
@@ -9153,7 +9141,7 @@
               <a:buChar char="Ø"/>
             </a:pPr>
             <a:r>
-              <a:rPr lang="en-US" dirty="0" err="1" smtClean="0">
+              <a:rPr lang="en-US" dirty="0" err="1">
                 <a:solidFill>
                   <a:schemeClr val="accent1"/>
                 </a:solidFill>
@@ -9162,26 +9150,18 @@
             </a:r>
             <a:r>
               <a:rPr lang="en-US" dirty="0"/>
-              <a:t> </a:t>
-            </a:r>
-            <a:r>
-              <a:rPr lang="en-US" dirty="0" smtClean="0"/>
-              <a:t>(</a:t>
-            </a:r>
-            <a:r>
-              <a:rPr lang="en-US" b="1" dirty="0" smtClean="0"/>
-              <a:t>iPhone </a:t>
+              <a:t> (</a:t>
             </a:r>
             <a:r>
               <a:rPr lang="en-US" b="1" dirty="0"/>
-              <a:t>OS</a:t>
+              <a:t>iPhone OS</a:t>
             </a:r>
             <a:r>
               <a:rPr lang="en-US" dirty="0"/>
               <a:t>) is a </a:t>
             </a:r>
             <a:r>
-              <a:rPr lang="en-US" dirty="0" smtClean="0">
+              <a:rPr lang="en-US" dirty="0">
                 <a:solidFill>
                   <a:schemeClr val="accent1"/>
                 </a:solidFill>
@@ -9190,20 +9170,15 @@
             </a:r>
             <a:r>
               <a:rPr lang="en-US" dirty="0"/>
-              <a:t> created and developed by </a:t>
-            </a:r>
-            <a:r>
-              <a:rPr lang="en-US" dirty="0" smtClean="0"/>
-              <a:t>Apple.</a:t>
-            </a:r>
-            <a:endParaRPr lang="en-US" dirty="0"/>
+              <a:t> created and developed by Apple.</a:t>
+            </a:r>
           </a:p>
           <a:p>
             <a:pPr>
               <a:buFont typeface="Wingdings" panose="05000000000000000000" pitchFamily="2" charset="2"/>
               <a:buChar char="Ø"/>
             </a:pPr>
-            <a:endParaRPr lang="en-US" dirty="0" smtClean="0"/>
+            <a:endParaRPr lang="en-US" dirty="0"/>
           </a:p>
           <a:p>
             <a:pPr>
@@ -9234,25 +9209,43 @@
             </a:r>
             <a:r>
               <a:rPr lang="en-US" dirty="0"/>
-              <a:t>, </a:t>
-            </a:r>
-            <a:r>
-              <a:rPr lang="en-US" dirty="0" smtClean="0"/>
-              <a:t>and</a:t>
-            </a:r>
-            <a:r>
-              <a:rPr lang="en-US" dirty="0"/>
-              <a:t> </a:t>
-            </a:r>
-            <a:r>
-              <a:rPr lang="en-US" dirty="0" err="1" smtClean="0">
+              <a:t>, and </a:t>
+            </a:r>
+            <a:r>
+              <a:rPr lang="en-US" dirty="0" err="1">
                 <a:hlinkClick r:id="rId3" tooltip="WatchOS"/>
               </a:rPr>
               <a:t>watchOS</a:t>
             </a:r>
             <a:r>
-              <a:rPr lang="en-US" dirty="0" smtClean="0"/>
+              <a:rPr lang="en-US" dirty="0"/>
               <a:t>.</a:t>
+            </a:r>
+          </a:p>
+          <a:p>
+            <a:pPr marL="0" indent="0">
+              <a:buNone/>
+            </a:pPr>
+            <a:endParaRPr lang="en-US" dirty="0"/>
+          </a:p>
+          <a:p>
+            <a:pPr>
+              <a:buFont typeface="Wingdings" panose="05000000000000000000" pitchFamily="2" charset="2"/>
+              <a:buChar char="Ø"/>
+            </a:pPr>
+            <a:r>
+              <a:rPr lang="en-US" dirty="0"/>
+              <a:t>The current stable version, </a:t>
+            </a:r>
+            <a:r>
+              <a:rPr lang="en-US" dirty="0">
+                <a:hlinkClick r:id="rId4" tooltip="IOS 14"/>
+              </a:rPr>
+              <a:t>iOS 14</a:t>
+            </a:r>
+            <a:r>
+              <a:rPr lang="en-US" dirty="0"/>
+              <a:t>, was released to the public on September 16, 2020.</a:t>
             </a:r>
           </a:p>
           <a:p>
@@ -9269,55 +9262,8 @@
             </a:pPr>
             <a:r>
               <a:rPr lang="en-US" dirty="0"/>
-              <a:t> It is the world's second-most widely installed mobile operating system, after </a:t>
-            </a:r>
-            <a:r>
-              <a:rPr lang="en-US" dirty="0" smtClean="0">
-                <a:hlinkClick r:id="rId4" tooltip="Android (operating system)"/>
-              </a:rPr>
-              <a:t>Android</a:t>
-            </a:r>
-            <a:r>
-              <a:rPr lang="en-US" dirty="0" smtClean="0"/>
-              <a:t>.</a:t>
-            </a:r>
-          </a:p>
-          <a:p>
-            <a:pPr marL="0" indent="0">
-              <a:buNone/>
-            </a:pPr>
-            <a:endParaRPr lang="en-US" dirty="0"/>
-          </a:p>
-          <a:p>
-            <a:pPr>
-              <a:buFont typeface="Wingdings" panose="05000000000000000000" pitchFamily="2" charset="2"/>
-              <a:buChar char="Ø"/>
-            </a:pPr>
-            <a:r>
-              <a:rPr lang="en-US" dirty="0"/>
-              <a:t>The current stable version, </a:t>
-            </a:r>
-            <a:r>
-              <a:rPr lang="en-US" dirty="0" err="1">
-                <a:hlinkClick r:id="rId5" tooltip="IOS 14"/>
-              </a:rPr>
-              <a:t>iOS</a:t>
-            </a:r>
-            <a:r>
-              <a:rPr lang="en-US" dirty="0">
-                <a:hlinkClick r:id="rId5" tooltip="IOS 14"/>
-              </a:rPr>
-              <a:t> 14</a:t>
-            </a:r>
-            <a:r>
-              <a:rPr lang="en-US" dirty="0"/>
-              <a:t>, was released to the public on September 16, </a:t>
-            </a:r>
-            <a:r>
-              <a:rPr lang="en-US" dirty="0" smtClean="0"/>
-              <a:t>2020.</a:t>
-            </a:r>
-            <a:endParaRPr lang="en-US" dirty="0"/>
+              <a:t>New features: App Clips, Widget,…</a:t>
+            </a:r>
           </a:p>
         </p:txBody>
       </p:sp>
@@ -9331,13 +9277,6 @@
   <p:clrMapOvr>
     <a:masterClrMapping/>
   </p:clrMapOvr>
-  <p:timing>
-    <p:tnLst>
-      <p:par>
-        <p:cTn id="1" dur="indefinite" restart="never" nodeType="tmRoot"/>
-      </p:par>
-    </p:tnLst>
-  </p:timing>
 </p:sld>
 </file>
 
@@ -9390,13 +9329,6 @@
   <p:clrMapOvr>
     <a:masterClrMapping/>
   </p:clrMapOvr>
-  <p:timing>
-    <p:tnLst>
-      <p:par>
-        <p:cTn id="1" dur="indefinite" restart="never" nodeType="tmRoot"/>
-      </p:par>
-    </p:tnLst>
-  </p:timing>
 </p:sld>
 </file>
 
@@ -9432,13 +9364,12 @@
           <a:bodyPr/>
           <a:lstStyle/>
           <a:p>
-            <a:pPr algn="ctr"/>
-            <a:r>
-              <a:rPr lang="en-US" dirty="0" smtClean="0"/>
+            <a:r>
+              <a:rPr lang="en-US" dirty="0"/>
               <a:t>What is </a:t>
             </a:r>
             <a:r>
-              <a:rPr lang="en-US" dirty="0" err="1" smtClean="0"/>
+              <a:rPr lang="en-US" dirty="0" err="1"/>
               <a:t>Xcode</a:t>
             </a:r>
             <a:endParaRPr lang="en-US" dirty="0"/>
@@ -9494,71 +9425,7 @@
                   <a:schemeClr val="tx1"/>
                 </a:solidFill>
               </a:rPr>
-              <a:t>(IDE) for </a:t>
-            </a:r>
-            <a:r>
-              <a:rPr lang="en-US" dirty="0" err="1" smtClean="0">
-                <a:solidFill>
-                  <a:schemeClr val="tx1"/>
-                </a:solidFill>
-              </a:rPr>
-              <a:t>macOS</a:t>
-            </a:r>
-            <a:r>
-              <a:rPr lang="en-US" dirty="0">
-                <a:solidFill>
-                  <a:schemeClr val="tx1"/>
-                </a:solidFill>
-              </a:rPr>
-              <a:t> containing a suite </a:t>
-            </a:r>
-            <a:r>
-              <a:rPr lang="en-US" dirty="0" smtClean="0">
-                <a:solidFill>
-                  <a:schemeClr val="tx1"/>
-                </a:solidFill>
-              </a:rPr>
-              <a:t>of</a:t>
-            </a:r>
-            <a:r>
-              <a:rPr lang="en-US" dirty="0">
-                <a:solidFill>
-                  <a:schemeClr val="tx1"/>
-                </a:solidFill>
-              </a:rPr>
-              <a:t> </a:t>
-            </a:r>
-            <a:r>
-              <a:rPr lang="en-US" dirty="0" smtClean="0">
-                <a:solidFill>
-                  <a:schemeClr val="tx1"/>
-                </a:solidFill>
-              </a:rPr>
-              <a:t>software development</a:t>
-            </a:r>
-            <a:r>
-              <a:rPr lang="en-US" dirty="0">
-                <a:solidFill>
-                  <a:schemeClr val="tx1"/>
-                </a:solidFill>
-              </a:rPr>
-              <a:t> tools developed by </a:t>
-            </a:r>
-            <a:r>
-              <a:rPr lang="en-US" dirty="0" smtClean="0">
-                <a:solidFill>
-                  <a:schemeClr val="tx1"/>
-                </a:solidFill>
-              </a:rPr>
-              <a:t>Apple</a:t>
-            </a:r>
-            <a:r>
-              <a:rPr lang="en-US" dirty="0">
-                <a:solidFill>
-                  <a:schemeClr val="tx1"/>
-                </a:solidFill>
-              </a:rPr>
-              <a:t> for developing software for </a:t>
+              <a:t>(IDE) for macOS containing a suite of software development tools developed by Apple for developing software for macOS, iOS, </a:t>
             </a:r>
             <a:r>
               <a:rPr lang="en-US" dirty="0" err="1">
@@ -9566,7 +9433,7 @@
                   <a:schemeClr val="tx1"/>
                 </a:solidFill>
               </a:rPr>
-              <a:t>macOS</a:t>
+              <a:t>iPadOS</a:t>
             </a:r>
             <a:r>
               <a:rPr lang="en-US" dirty="0">
@@ -9577,20 +9444,12 @@
               <a:t>, </a:t>
             </a:r>
             <a:r>
-              <a:rPr lang="en-US" dirty="0" err="1" smtClean="0">
+              <a:rPr lang="en-US" dirty="0" err="1">
                 <a:solidFill>
                   <a:schemeClr val="tx1"/>
                 </a:solidFill>
               </a:rPr>
-              <a:t>iOS</a:t>
-            </a:r>
-            <a:r>
-              <a:rPr lang="en-US" dirty="0" smtClean="0">
-                <a:solidFill>
-                  <a:schemeClr val="tx1"/>
-                </a:solidFill>
-              </a:rPr>
-              <a:t>,</a:t>
+              <a:t>watchOS</a:t>
             </a:r>
             <a:r>
               <a:rPr lang="en-US" dirty="0">
@@ -9598,23 +9457,15 @@
                   <a:schemeClr val="tx1"/>
                 </a:solidFill>
               </a:rPr>
-              <a:t> </a:t>
-            </a:r>
-            <a:r>
-              <a:rPr lang="en-US" dirty="0" err="1" smtClean="0">
+              <a:t>, and </a:t>
+            </a:r>
+            <a:r>
+              <a:rPr lang="en-US" dirty="0" err="1">
                 <a:solidFill>
                   <a:schemeClr val="tx1"/>
                 </a:solidFill>
               </a:rPr>
-              <a:t>iPadOS</a:t>
-            </a:r>
-            <a:r>
-              <a:rPr lang="en-US" dirty="0" smtClean="0">
-                <a:solidFill>
-                  <a:schemeClr val="tx1"/>
-                </a:solidFill>
-              </a:rPr>
-              <a:t>,</a:t>
+              <a:t>tvOS</a:t>
             </a:r>
             <a:r>
               <a:rPr lang="en-US" dirty="0">
@@ -9622,46 +9473,6 @@
                   <a:schemeClr val="tx1"/>
                 </a:solidFill>
               </a:rPr>
-              <a:t> </a:t>
-            </a:r>
-            <a:r>
-              <a:rPr lang="en-US" dirty="0" err="1" smtClean="0">
-                <a:solidFill>
-                  <a:schemeClr val="tx1"/>
-                </a:solidFill>
-              </a:rPr>
-              <a:t>watchOS</a:t>
-            </a:r>
-            <a:r>
-              <a:rPr lang="en-US" dirty="0" smtClean="0">
-                <a:solidFill>
-                  <a:schemeClr val="tx1"/>
-                </a:solidFill>
-              </a:rPr>
-              <a:t>, </a:t>
-            </a:r>
-            <a:r>
-              <a:rPr lang="en-US" dirty="0">
-                <a:solidFill>
-                  <a:schemeClr val="tx1"/>
-                </a:solidFill>
-              </a:rPr>
-              <a:t>and </a:t>
-            </a:r>
-            <a:r>
-              <a:rPr lang="en-US" dirty="0" err="1" smtClean="0">
-                <a:solidFill>
-                  <a:schemeClr val="tx1"/>
-                </a:solidFill>
-              </a:rPr>
-              <a:t>tvOS</a:t>
-            </a:r>
-            <a:r>
-              <a:rPr lang="en-US" dirty="0" smtClean="0">
-                <a:solidFill>
-                  <a:schemeClr val="tx1"/>
-                </a:solidFill>
-              </a:rPr>
               <a:t>.</a:t>
             </a:r>
           </a:p>
@@ -9669,7 +9480,7 @@
             <a:pPr marL="0" indent="0">
               <a:buNone/>
             </a:pPr>
-            <a:endParaRPr lang="en-US" dirty="0" smtClean="0"/>
+            <a:endParaRPr lang="en-US" dirty="0"/>
           </a:p>
           <a:p>
             <a:pPr>
@@ -9677,24 +9488,16 @@
               <a:buChar char="Ø"/>
             </a:pPr>
             <a:r>
-              <a:rPr lang="en-US" dirty="0" smtClean="0"/>
+              <a:rPr lang="en-US" dirty="0"/>
               <a:t>Now the version is </a:t>
             </a:r>
             <a:r>
-              <a:rPr lang="en-US" b="1" dirty="0" smtClean="0"/>
+              <a:rPr lang="en-US" b="1" dirty="0"/>
               <a:t>12.1, released </a:t>
             </a:r>
             <a:r>
-              <a:rPr lang="en-US" dirty="0" smtClean="0"/>
-              <a:t>October </a:t>
-            </a:r>
-            <a:r>
               <a:rPr lang="en-US" dirty="0"/>
-              <a:t>20, </a:t>
-            </a:r>
-            <a:r>
-              <a:rPr lang="en-US" dirty="0" smtClean="0"/>
-              <a:t>2020.</a:t>
+              <a:t>October 20, 2020.</a:t>
             </a:r>
           </a:p>
           <a:p>
@@ -9710,82 +9513,17 @@
               <a:buChar char="Ø"/>
             </a:pPr>
             <a:r>
-              <a:rPr lang="en-US" dirty="0" smtClean="0"/>
+              <a:rPr lang="en-US" dirty="0"/>
               <a:t>New features: </a:t>
             </a:r>
             <a:r>
-              <a:rPr lang="en-US" dirty="0" err="1" smtClean="0"/>
+              <a:rPr lang="en-US" dirty="0" err="1"/>
               <a:t>SwiftUI</a:t>
             </a:r>
             <a:r>
-              <a:rPr lang="en-US" dirty="0" smtClean="0"/>
-              <a:t>, </a:t>
-            </a:r>
-            <a:r>
               <a:rPr lang="en-US" dirty="0"/>
-              <a:t>Document </a:t>
-            </a:r>
-            <a:r>
-              <a:rPr lang="en-US" dirty="0" smtClean="0"/>
-              <a:t>tabs, </a:t>
-            </a:r>
-            <a:r>
-              <a:rPr lang="en-US" dirty="0"/>
-              <a:t>Navigator font </a:t>
-            </a:r>
-            <a:r>
-              <a:rPr lang="en-US" dirty="0" smtClean="0"/>
-              <a:t>sizes, </a:t>
-            </a:r>
-            <a:r>
-              <a:rPr lang="en-US" dirty="0"/>
-              <a:t>Code </a:t>
-            </a:r>
-            <a:r>
-              <a:rPr lang="en-US" dirty="0" smtClean="0"/>
-              <a:t>completion, </a:t>
-            </a:r>
-            <a:r>
-              <a:rPr lang="en-US" dirty="0"/>
-              <a:t>Redesigned </a:t>
-            </a:r>
-            <a:r>
-              <a:rPr lang="en-US" dirty="0" smtClean="0"/>
-              <a:t>organizer, Devices, Simulator, </a:t>
-            </a:r>
-            <a:r>
-              <a:rPr lang="en-US" dirty="0"/>
-              <a:t>Swift </a:t>
-            </a:r>
-            <a:r>
-              <a:rPr lang="en-US" dirty="0" smtClean="0"/>
-              <a:t>Packages, Playgrounds, </a:t>
-            </a:r>
-            <a:r>
-              <a:rPr lang="en-US" dirty="0"/>
-              <a:t>Project </a:t>
-            </a:r>
-            <a:r>
-              <a:rPr lang="en-US" dirty="0" smtClean="0"/>
-              <a:t>Editor, </a:t>
-            </a:r>
-            <a:r>
-              <a:rPr lang="en-US" dirty="0"/>
-              <a:t>Interface </a:t>
-            </a:r>
-            <a:r>
-              <a:rPr lang="en-US" dirty="0" smtClean="0"/>
-              <a:t>Builder, </a:t>
-            </a:r>
-            <a:r>
-              <a:rPr lang="en-US" dirty="0"/>
-              <a:t>Universal </a:t>
-            </a:r>
-            <a:r>
-              <a:rPr lang="en-US" dirty="0" smtClean="0"/>
-              <a:t>Apps,…</a:t>
-            </a:r>
-            <a:endParaRPr lang="en-US" dirty="0"/>
+              <a:t>, Document tabs, Navigator font sizes, Code completion, Redesigned organizer, Devices, Simulator, Swift Packages, Playgrounds, Project Editor, Interface Builder, Universal Apps,…</a:t>
+            </a:r>
           </a:p>
           <a:p>
             <a:pPr>
@@ -9838,6 +9576,53 @@
           </a:p>
         </p:txBody>
       </p:sp>
+      <p:pic>
+        <p:nvPicPr>
+          <p:cNvPr id="5" name="Picture 12" descr="File:Xcode Icon.png - Wikipedia">
+            <a:extLst>
+              <a:ext uri="{FF2B5EF4-FFF2-40B4-BE49-F238E27FC236}">
+                <a16:creationId xmlns:a16="http://schemas.microsoft.com/office/drawing/2014/main" id="{B12220F4-1A99-6E49-9C46-C6FF5BC8B3B6}"/>
+              </a:ext>
+            </a:extLst>
+          </p:cNvPr>
+          <p:cNvPicPr>
+            <a:picLocks noChangeAspect="1" noChangeArrowheads="1"/>
+          </p:cNvPicPr>
+          <p:nvPr/>
+        </p:nvPicPr>
+        <p:blipFill>
+          <a:blip r:embed="rId3" cstate="print">
+            <a:extLst>
+              <a:ext uri="{28A0092B-C50C-407E-A947-70E740481C1C}">
+                <a14:useLocalDpi xmlns:a14="http://schemas.microsoft.com/office/drawing/2010/main" val="0"/>
+              </a:ext>
+            </a:extLst>
+          </a:blip>
+          <a:srcRect/>
+          <a:stretch>
+            <a:fillRect/>
+          </a:stretch>
+        </p:blipFill>
+        <p:spPr bwMode="auto">
+          <a:xfrm>
+            <a:off x="10619911" y="188265"/>
+            <a:ext cx="1295477" cy="1165500"/>
+          </a:xfrm>
+          <a:prstGeom prst="rect">
+            <a:avLst/>
+          </a:prstGeom>
+          <a:noFill/>
+          <a:extLst>
+            <a:ext uri="{909E8E84-426E-40DD-AFC4-6F175D3DCCD1}">
+              <a14:hiddenFill xmlns:a14="http://schemas.microsoft.com/office/drawing/2010/main">
+                <a:solidFill>
+                  <a:srgbClr val="FFFFFF"/>
+                </a:solidFill>
+              </a14:hiddenFill>
+            </a:ext>
+          </a:extLst>
+        </p:spPr>
+      </p:pic>
     </p:spTree>
     <p:extLst>
       <p:ext uri="{BB962C8B-B14F-4D97-AF65-F5344CB8AC3E}">
@@ -9848,13 +9633,400 @@
   <p:clrMapOvr>
     <a:masterClrMapping/>
   </p:clrMapOvr>
-  <p:timing>
-    <p:tnLst>
-      <p:par>
-        <p:cTn id="1" dur="indefinite" restart="never" nodeType="tmRoot"/>
-      </p:par>
-    </p:tnLst>
-  </p:timing>
+</p:sld>
+</file>
+
+<file path=ppt/slides/slide6.xml><?xml version="1.0" encoding="utf-8"?>
+<p:sld xmlns:a="http://schemas.openxmlformats.org/drawingml/2006/main" xmlns:r="http://schemas.openxmlformats.org/officeDocument/2006/relationships" xmlns:p="http://schemas.openxmlformats.org/presentationml/2006/main">
+  <p:cSld>
+    <p:bg>
+      <p:bgPr>
+        <a:solidFill>
+          <a:schemeClr val="bg2"/>
+        </a:solidFill>
+        <a:effectLst/>
+      </p:bgPr>
+    </p:bg>
+    <p:spTree>
+      <p:nvGrpSpPr>
+        <p:cNvPr id="1" name=""/>
+        <p:cNvGrpSpPr/>
+        <p:nvPr/>
+      </p:nvGrpSpPr>
+      <p:grpSpPr>
+        <a:xfrm>
+          <a:off x="0" y="0"/>
+          <a:ext cx="0" cy="0"/>
+          <a:chOff x="0" y="0"/>
+          <a:chExt cx="0" cy="0"/>
+        </a:xfrm>
+      </p:grpSpPr>
+      <p:sp>
+        <p:nvSpPr>
+          <p:cNvPr id="2" name="Title 1">
+            <a:extLst>
+              <a:ext uri="{FF2B5EF4-FFF2-40B4-BE49-F238E27FC236}">
+                <a16:creationId xmlns:a16="http://schemas.microsoft.com/office/drawing/2014/main" id="{A73B18D1-285F-7643-AADD-96480E9228D6}"/>
+              </a:ext>
+            </a:extLst>
+          </p:cNvPr>
+          <p:cNvSpPr>
+            <a:spLocks noGrp="1"/>
+          </p:cNvSpPr>
+          <p:nvPr>
+            <p:ph type="title"/>
+          </p:nvPr>
+        </p:nvSpPr>
+        <p:spPr>
+          <a:xfrm>
+            <a:off x="2592925" y="624110"/>
+            <a:ext cx="8911687" cy="1280890"/>
+          </a:xfrm>
+        </p:spPr>
+        <p:txBody>
+          <a:bodyPr>
+            <a:normAutofit/>
+          </a:bodyPr>
+          <a:lstStyle/>
+          <a:p>
+            <a:r>
+              <a:rPr lang="en-VN" dirty="0"/>
+              <a:t>What is Swift</a:t>
+            </a:r>
+          </a:p>
+        </p:txBody>
+      </p:sp>
+      <p:sp>
+        <p:nvSpPr>
+          <p:cNvPr id="3" name="Content Placeholder 2">
+            <a:extLst>
+              <a:ext uri="{FF2B5EF4-FFF2-40B4-BE49-F238E27FC236}">
+                <a16:creationId xmlns:a16="http://schemas.microsoft.com/office/drawing/2014/main" id="{56F77FF2-2B6E-3942-922C-B07287187713}"/>
+              </a:ext>
+            </a:extLst>
+          </p:cNvPr>
+          <p:cNvSpPr>
+            <a:spLocks noGrp="1"/>
+          </p:cNvSpPr>
+          <p:nvPr>
+            <p:ph idx="1"/>
+          </p:nvPr>
+        </p:nvSpPr>
+        <p:spPr>
+          <a:xfrm>
+            <a:off x="2589212" y="2125361"/>
+            <a:ext cx="9019208" cy="4108529"/>
+          </a:xfrm>
+        </p:spPr>
+        <p:txBody>
+          <a:bodyPr>
+            <a:noAutofit/>
+          </a:bodyPr>
+          <a:lstStyle/>
+          <a:p>
+            <a:pPr>
+              <a:lnSpc>
+                <a:spcPct val="90000"/>
+              </a:lnSpc>
+              <a:buFont typeface="Wingdings" pitchFamily="2" charset="2"/>
+              <a:buChar char="Ø"/>
+            </a:pPr>
+            <a:r>
+              <a:rPr lang="en-US" dirty="0"/>
+              <a:t>Swift is a fantastic way to write software, whether it’s for phones, desktops, servers, or anything else that runs code.</a:t>
+            </a:r>
+          </a:p>
+          <a:p>
+            <a:pPr marL="0" indent="0">
+              <a:lnSpc>
+                <a:spcPct val="90000"/>
+              </a:lnSpc>
+              <a:buNone/>
+            </a:pPr>
+            <a:endParaRPr lang="en-US" dirty="0"/>
+          </a:p>
+          <a:p>
+            <a:pPr>
+              <a:lnSpc>
+                <a:spcPct val="90000"/>
+              </a:lnSpc>
+              <a:buFont typeface="Wingdings" pitchFamily="2" charset="2"/>
+              <a:buChar char="Ø"/>
+            </a:pPr>
+            <a:r>
+              <a:rPr lang="en-US" dirty="0"/>
+              <a:t>An object-oriented and compiled programing language.</a:t>
+            </a:r>
+          </a:p>
+          <a:p>
+            <a:pPr>
+              <a:lnSpc>
+                <a:spcPct val="90000"/>
+              </a:lnSpc>
+              <a:buFont typeface="Wingdings" pitchFamily="2" charset="2"/>
+              <a:buChar char="Ø"/>
+            </a:pPr>
+            <a:endParaRPr lang="en-US" dirty="0"/>
+          </a:p>
+          <a:p>
+            <a:pPr>
+              <a:lnSpc>
+                <a:spcPct val="90000"/>
+              </a:lnSpc>
+              <a:buFont typeface="Wingdings" pitchFamily="2" charset="2"/>
+              <a:buChar char="Ø"/>
+            </a:pPr>
+            <a:r>
+              <a:rPr lang="en-US" dirty="0"/>
+              <a:t>First introduced on </a:t>
+            </a:r>
+            <a:r>
+              <a:rPr lang="en-US" u="sng" dirty="0"/>
+              <a:t>June 2, 2014</a:t>
+            </a:r>
+            <a:r>
+              <a:rPr lang="en-US" dirty="0"/>
+              <a:t>.</a:t>
+            </a:r>
+          </a:p>
+          <a:p>
+            <a:pPr marL="0" indent="0">
+              <a:lnSpc>
+                <a:spcPct val="90000"/>
+              </a:lnSpc>
+              <a:buNone/>
+            </a:pPr>
+            <a:endParaRPr lang="en-US" dirty="0"/>
+          </a:p>
+          <a:p>
+            <a:pPr>
+              <a:lnSpc>
+                <a:spcPct val="90000"/>
+              </a:lnSpc>
+              <a:buFont typeface="Wingdings" pitchFamily="2" charset="2"/>
+              <a:buChar char="Ø"/>
+            </a:pPr>
+            <a:r>
+              <a:rPr lang="en-US" dirty="0"/>
+              <a:t>Now the version is </a:t>
+            </a:r>
+            <a:r>
+              <a:rPr lang="en-US" u="sng" dirty="0"/>
+              <a:t>Swift 5.3</a:t>
+            </a:r>
+            <a:r>
+              <a:rPr lang="en-US" dirty="0"/>
+              <a:t>, released September 16, 2020.</a:t>
+            </a:r>
+          </a:p>
+          <a:p>
+            <a:pPr>
+              <a:lnSpc>
+                <a:spcPct val="90000"/>
+              </a:lnSpc>
+              <a:buFont typeface="Wingdings" pitchFamily="2" charset="2"/>
+              <a:buChar char="Ø"/>
+            </a:pPr>
+            <a:endParaRPr lang="en-US" dirty="0"/>
+          </a:p>
+          <a:p>
+            <a:pPr>
+              <a:lnSpc>
+                <a:spcPct val="90000"/>
+              </a:lnSpc>
+              <a:buFont typeface="Wingdings" pitchFamily="2" charset="2"/>
+              <a:buChar char="Ø"/>
+            </a:pPr>
+            <a:r>
+              <a:rPr lang="en-VN" dirty="0"/>
+              <a:t>New features: </a:t>
+            </a:r>
+            <a:r>
+              <a:rPr lang="en-US" sz="1400" u="sng" dirty="0"/>
+              <a:t>https://</a:t>
+            </a:r>
+            <a:r>
+              <a:rPr lang="en-US" sz="1400" u="sng" dirty="0" err="1"/>
+              <a:t>docs.swift.org</a:t>
+            </a:r>
+            <a:r>
+              <a:rPr lang="en-US" sz="1400" u="sng" dirty="0"/>
+              <a:t>/swift-book/</a:t>
+            </a:r>
+            <a:r>
+              <a:rPr lang="en-US" sz="1400" u="sng" dirty="0" err="1"/>
+              <a:t>RevisionHistory</a:t>
+            </a:r>
+            <a:r>
+              <a:rPr lang="en-US" sz="1400" u="sng" dirty="0"/>
+              <a:t>/</a:t>
+            </a:r>
+            <a:r>
+              <a:rPr lang="en-US" sz="1400" u="sng" dirty="0" err="1"/>
+              <a:t>RevisionHistory.html</a:t>
+            </a:r>
+            <a:endParaRPr lang="en-VN" sz="1400" u="sng" dirty="0"/>
+          </a:p>
+        </p:txBody>
+      </p:sp>
+      <p:pic>
+        <p:nvPicPr>
+          <p:cNvPr id="12" name="Picture 8" descr="Swift Icon - Free Download, PNG and Vector">
+            <a:extLst>
+              <a:ext uri="{FF2B5EF4-FFF2-40B4-BE49-F238E27FC236}">
+                <a16:creationId xmlns:a16="http://schemas.microsoft.com/office/drawing/2014/main" id="{4A892D53-E282-AE45-9339-62F827CF91F4}"/>
+              </a:ext>
+            </a:extLst>
+          </p:cNvPr>
+          <p:cNvPicPr>
+            <a:picLocks noChangeAspect="1" noChangeArrowheads="1"/>
+          </p:cNvPicPr>
+          <p:nvPr/>
+        </p:nvPicPr>
+        <p:blipFill>
+          <a:blip r:embed="rId2" cstate="print">
+            <a:extLst>
+              <a:ext uri="{28A0092B-C50C-407E-A947-70E740481C1C}">
+                <a14:useLocalDpi xmlns:a14="http://schemas.microsoft.com/office/drawing/2010/main" val="0"/>
+              </a:ext>
+            </a:extLst>
+          </a:blip>
+          <a:srcRect/>
+          <a:stretch>
+            <a:fillRect/>
+          </a:stretch>
+        </p:blipFill>
+        <p:spPr bwMode="auto">
+          <a:xfrm>
+            <a:off x="10545758" y="138769"/>
+            <a:ext cx="1347957" cy="1413419"/>
+          </a:xfrm>
+          <a:prstGeom prst="rect">
+            <a:avLst/>
+          </a:prstGeom>
+          <a:noFill/>
+          <a:extLst>
+            <a:ext uri="{909E8E84-426E-40DD-AFC4-6F175D3DCCD1}">
+              <a14:hiddenFill xmlns:a14="http://schemas.microsoft.com/office/drawing/2010/main">
+                <a:solidFill>
+                  <a:srgbClr val="FFFFFF"/>
+                </a:solidFill>
+              </a14:hiddenFill>
+            </a:ext>
+          </a:extLst>
+        </p:spPr>
+      </p:pic>
+    </p:spTree>
+    <p:extLst>
+      <p:ext uri="{BB962C8B-B14F-4D97-AF65-F5344CB8AC3E}">
+        <p14:creationId xmlns:p14="http://schemas.microsoft.com/office/powerpoint/2010/main" val="1753851685"/>
+      </p:ext>
+    </p:extLst>
+  </p:cSld>
+  <p:clrMapOvr>
+    <a:masterClrMapping/>
+  </p:clrMapOvr>
+</p:sld>
+</file>
+
+<file path=ppt/slides/slide7.xml><?xml version="1.0" encoding="utf-8"?>
+<p:sld xmlns:a="http://schemas.openxmlformats.org/drawingml/2006/main" xmlns:r="http://schemas.openxmlformats.org/officeDocument/2006/relationships" xmlns:p="http://schemas.openxmlformats.org/presentationml/2006/main">
+  <p:cSld>
+    <p:spTree>
+      <p:nvGrpSpPr>
+        <p:cNvPr id="1" name=""/>
+        <p:cNvGrpSpPr/>
+        <p:nvPr/>
+      </p:nvGrpSpPr>
+      <p:grpSpPr>
+        <a:xfrm>
+          <a:off x="0" y="0"/>
+          <a:ext cx="0" cy="0"/>
+          <a:chOff x="0" y="0"/>
+          <a:chExt cx="0" cy="0"/>
+        </a:xfrm>
+      </p:grpSpPr>
+      <p:sp>
+        <p:nvSpPr>
+          <p:cNvPr id="2" name="Title 1">
+            <a:extLst>
+              <a:ext uri="{FF2B5EF4-FFF2-40B4-BE49-F238E27FC236}">
+                <a16:creationId xmlns:a16="http://schemas.microsoft.com/office/drawing/2014/main" id="{CE2BFBB6-342B-D445-8142-166F0A8B5B56}"/>
+              </a:ext>
+            </a:extLst>
+          </p:cNvPr>
+          <p:cNvSpPr>
+            <a:spLocks noGrp="1"/>
+          </p:cNvSpPr>
+          <p:nvPr>
+            <p:ph type="title"/>
+          </p:nvPr>
+        </p:nvSpPr>
+        <p:spPr/>
+        <p:txBody>
+          <a:bodyPr/>
+          <a:lstStyle/>
+          <a:p>
+            <a:r>
+              <a:rPr lang="en-VN" dirty="0"/>
+              <a:t>New features in iOS 14</a:t>
+            </a:r>
+          </a:p>
+        </p:txBody>
+      </p:sp>
+      <p:sp>
+        <p:nvSpPr>
+          <p:cNvPr id="3" name="Content Placeholder 2">
+            <a:extLst>
+              <a:ext uri="{FF2B5EF4-FFF2-40B4-BE49-F238E27FC236}">
+                <a16:creationId xmlns:a16="http://schemas.microsoft.com/office/drawing/2014/main" id="{DBDD829D-0B77-DE4E-87F7-BDE7A830BECA}"/>
+              </a:ext>
+            </a:extLst>
+          </p:cNvPr>
+          <p:cNvSpPr>
+            <a:spLocks noGrp="1"/>
+          </p:cNvSpPr>
+          <p:nvPr>
+            <p:ph idx="1"/>
+          </p:nvPr>
+        </p:nvSpPr>
+        <p:spPr/>
+        <p:txBody>
+          <a:bodyPr/>
+          <a:lstStyle/>
+          <a:p>
+            <a:pPr>
+              <a:buFont typeface="Wingdings" pitchFamily="2" charset="2"/>
+              <a:buChar char="Ø"/>
+            </a:pPr>
+            <a:r>
+              <a:rPr lang="en-VN" dirty="0"/>
+              <a:t>App Clips</a:t>
+            </a:r>
+          </a:p>
+          <a:p>
+            <a:pPr>
+              <a:buFont typeface="Wingdings" pitchFamily="2" charset="2"/>
+              <a:buChar char="Ø"/>
+            </a:pPr>
+            <a:r>
+              <a:rPr lang="en-US" dirty="0" err="1"/>
+              <a:t>WidgetKit</a:t>
+            </a:r>
+            <a:endParaRPr lang="en-US" dirty="0"/>
+          </a:p>
+        </p:txBody>
+      </p:sp>
+    </p:spTree>
+    <p:extLst>
+      <p:ext uri="{BB962C8B-B14F-4D97-AF65-F5344CB8AC3E}">
+        <p14:creationId xmlns:p14="http://schemas.microsoft.com/office/powerpoint/2010/main" val="4238519972"/>
+      </p:ext>
+    </p:extLst>
+  </p:cSld>
+  <p:clrMapOvr>
+    <a:masterClrMapping/>
+  </p:clrMapOvr>
 </p:sld>
 </file>
 

--- a/ios.pptx
+++ b/ios.pptx
@@ -12,6 +12,9 @@
     <p:sldId id="260" r:id="rId6"/>
     <p:sldId id="261" r:id="rId7"/>
     <p:sldId id="262" r:id="rId8"/>
+    <p:sldId id="263" r:id="rId9"/>
+    <p:sldId id="264" r:id="rId10"/>
+    <p:sldId id="265" r:id="rId11"/>
   </p:sldIdLst>
   <p:sldSz cx="12192000" cy="6858000"/>
   <p:notesSz cx="6858000" cy="9144000"/>
@@ -1302,7 +1305,7 @@
           <a:p>
             <a:fld id="{CCF68175-03BA-408C-A51E-CA375B5C4E65}" type="datetimeFigureOut">
               <a:rPr lang="en-US" smtClean="0"/>
-              <a:t>11/2/20</a:t>
+              <a:t>11/3/20</a:t>
             </a:fld>
             <a:endParaRPr lang="en-US"/>
           </a:p>
@@ -1640,7 +1643,7 @@
           <a:p>
             <a:fld id="{CCF68175-03BA-408C-A51E-CA375B5C4E65}" type="datetimeFigureOut">
               <a:rPr lang="en-US" smtClean="0"/>
-              <a:t>11/2/20</a:t>
+              <a:t>11/3/20</a:t>
             </a:fld>
             <a:endParaRPr lang="en-US"/>
           </a:p>
@@ -2041,7 +2044,7 @@
           <a:p>
             <a:fld id="{CCF68175-03BA-408C-A51E-CA375B5C4E65}" type="datetimeFigureOut">
               <a:rPr lang="en-US" smtClean="0"/>
-              <a:t>11/2/20</a:t>
+              <a:t>11/3/20</a:t>
             </a:fld>
             <a:endParaRPr lang="en-US"/>
           </a:p>
@@ -2377,7 +2380,7 @@
           <a:p>
             <a:fld id="{CCF68175-03BA-408C-A51E-CA375B5C4E65}" type="datetimeFigureOut">
               <a:rPr lang="en-US" smtClean="0"/>
-              <a:t>11/2/20</a:t>
+              <a:t>11/3/20</a:t>
             </a:fld>
             <a:endParaRPr lang="en-US"/>
           </a:p>
@@ -2697,7 +2700,7 @@
           <a:p>
             <a:fld id="{CCF68175-03BA-408C-A51E-CA375B5C4E65}" type="datetimeFigureOut">
               <a:rPr lang="en-US" smtClean="0"/>
-              <a:t>11/2/20</a:t>
+              <a:t>11/3/20</a:t>
             </a:fld>
             <a:endParaRPr lang="en-US"/>
           </a:p>
@@ -3093,7 +3096,7 @@
           <a:p>
             <a:fld id="{CCF68175-03BA-408C-A51E-CA375B5C4E65}" type="datetimeFigureOut">
               <a:rPr lang="en-US" smtClean="0"/>
-              <a:t>11/2/20</a:t>
+              <a:t>11/3/20</a:t>
             </a:fld>
             <a:endParaRPr lang="en-US"/>
           </a:p>
@@ -3350,7 +3353,7 @@
           <a:p>
             <a:fld id="{CCF68175-03BA-408C-A51E-CA375B5C4E65}" type="datetimeFigureOut">
               <a:rPr lang="en-US" smtClean="0"/>
-              <a:t>11/2/20</a:t>
+              <a:t>11/3/20</a:t>
             </a:fld>
             <a:endParaRPr lang="en-US"/>
           </a:p>
@@ -3612,7 +3615,7 @@
           <a:p>
             <a:fld id="{CCF68175-03BA-408C-A51E-CA375B5C4E65}" type="datetimeFigureOut">
               <a:rPr lang="en-US" smtClean="0"/>
-              <a:t>11/2/20</a:t>
+              <a:t>11/3/20</a:t>
             </a:fld>
             <a:endParaRPr lang="en-US"/>
           </a:p>
@@ -3874,7 +3877,7 @@
           <a:p>
             <a:fld id="{CCF68175-03BA-408C-A51E-CA375B5C4E65}" type="datetimeFigureOut">
               <a:rPr lang="en-US" smtClean="0"/>
-              <a:t>11/2/20</a:t>
+              <a:t>11/3/20</a:t>
             </a:fld>
             <a:endParaRPr lang="en-US"/>
           </a:p>
@@ -4203,7 +4206,7 @@
           <a:p>
             <a:fld id="{CCF68175-03BA-408C-A51E-CA375B5C4E65}" type="datetimeFigureOut">
               <a:rPr lang="en-US" smtClean="0"/>
-              <a:t>11/2/20</a:t>
+              <a:t>11/3/20</a:t>
             </a:fld>
             <a:endParaRPr lang="en-US"/>
           </a:p>
@@ -4526,7 +4529,7 @@
           <a:p>
             <a:fld id="{CCF68175-03BA-408C-A51E-CA375B5C4E65}" type="datetimeFigureOut">
               <a:rPr lang="en-US" smtClean="0"/>
-              <a:t>11/2/20</a:t>
+              <a:t>11/3/20</a:t>
             </a:fld>
             <a:endParaRPr lang="en-US"/>
           </a:p>
@@ -4983,7 +4986,7 @@
           <a:p>
             <a:fld id="{CCF68175-03BA-408C-A51E-CA375B5C4E65}" type="datetimeFigureOut">
               <a:rPr lang="en-US" smtClean="0"/>
-              <a:t>11/2/20</a:t>
+              <a:t>11/3/20</a:t>
             </a:fld>
             <a:endParaRPr lang="en-US"/>
           </a:p>
@@ -5188,7 +5191,7 @@
           <a:p>
             <a:fld id="{CCF68175-03BA-408C-A51E-CA375B5C4E65}" type="datetimeFigureOut">
               <a:rPr lang="en-US" smtClean="0"/>
-              <a:t>11/2/20</a:t>
+              <a:t>11/3/20</a:t>
             </a:fld>
             <a:endParaRPr lang="en-US"/>
           </a:p>
@@ -5365,7 +5368,7 @@
           <a:p>
             <a:fld id="{CCF68175-03BA-408C-A51E-CA375B5C4E65}" type="datetimeFigureOut">
               <a:rPr lang="en-US" smtClean="0"/>
-              <a:t>11/2/20</a:t>
+              <a:t>11/3/20</a:t>
             </a:fld>
             <a:endParaRPr lang="en-US"/>
           </a:p>
@@ -5698,7 +5701,7 @@
           <a:p>
             <a:fld id="{CCF68175-03BA-408C-A51E-CA375B5C4E65}" type="datetimeFigureOut">
               <a:rPr lang="en-US" smtClean="0"/>
-              <a:t>11/2/20</a:t>
+              <a:t>11/3/20</a:t>
             </a:fld>
             <a:endParaRPr lang="en-US"/>
           </a:p>
@@ -6043,7 +6046,7 @@
           <a:p>
             <a:fld id="{CCF68175-03BA-408C-A51E-CA375B5C4E65}" type="datetimeFigureOut">
               <a:rPr lang="en-US" smtClean="0"/>
-              <a:t>11/2/20</a:t>
+              <a:t>11/3/20</a:t>
             </a:fld>
             <a:endParaRPr lang="en-US"/>
           </a:p>
@@ -8097,7 +8100,7 @@
           <a:p>
             <a:fld id="{CCF68175-03BA-408C-A51E-CA375B5C4E65}" type="datetimeFigureOut">
               <a:rPr lang="en-US" smtClean="0"/>
-              <a:t>11/2/20</a:t>
+              <a:t>11/3/20</a:t>
             </a:fld>
             <a:endParaRPr lang="en-US"/>
           </a:p>
@@ -8810,6 +8813,115 @@
 </p:sld>
 </file>
 
+<file path=ppt/slides/slide10.xml><?xml version="1.0" encoding="utf-8"?>
+<p:sld xmlns:a="http://schemas.openxmlformats.org/drawingml/2006/main" xmlns:r="http://schemas.openxmlformats.org/officeDocument/2006/relationships" xmlns:p="http://schemas.openxmlformats.org/presentationml/2006/main">
+  <p:cSld>
+    <p:spTree>
+      <p:nvGrpSpPr>
+        <p:cNvPr id="1" name=""/>
+        <p:cNvGrpSpPr/>
+        <p:nvPr/>
+      </p:nvGrpSpPr>
+      <p:grpSpPr>
+        <a:xfrm>
+          <a:off x="0" y="0"/>
+          <a:ext cx="0" cy="0"/>
+          <a:chOff x="0" y="0"/>
+          <a:chExt cx="0" cy="0"/>
+        </a:xfrm>
+      </p:grpSpPr>
+      <p:sp>
+        <p:nvSpPr>
+          <p:cNvPr id="2" name="Title 1">
+            <a:extLst>
+              <a:ext uri="{FF2B5EF4-FFF2-40B4-BE49-F238E27FC236}">
+                <a16:creationId xmlns:a16="http://schemas.microsoft.com/office/drawing/2014/main" id="{94EC8764-B6E5-4849-91DE-94D30B65E38C}"/>
+              </a:ext>
+            </a:extLst>
+          </p:cNvPr>
+          <p:cNvSpPr>
+            <a:spLocks noGrp="1"/>
+          </p:cNvSpPr>
+          <p:nvPr>
+            <p:ph type="title"/>
+          </p:nvPr>
+        </p:nvSpPr>
+        <p:spPr/>
+        <p:txBody>
+          <a:bodyPr/>
+          <a:lstStyle/>
+          <a:p>
+            <a:r>
+              <a:rPr lang="en-VN" dirty="0"/>
+              <a:t>New features in IOS 14</a:t>
+            </a:r>
+          </a:p>
+        </p:txBody>
+      </p:sp>
+      <p:sp>
+        <p:nvSpPr>
+          <p:cNvPr id="3" name="Content Placeholder 2">
+            <a:extLst>
+              <a:ext uri="{FF2B5EF4-FFF2-40B4-BE49-F238E27FC236}">
+                <a16:creationId xmlns:a16="http://schemas.microsoft.com/office/drawing/2014/main" id="{686A19CE-43DB-E34B-A0D5-A448D50BC02A}"/>
+              </a:ext>
+            </a:extLst>
+          </p:cNvPr>
+          <p:cNvSpPr>
+            <a:spLocks noGrp="1"/>
+          </p:cNvSpPr>
+          <p:nvPr>
+            <p:ph idx="1"/>
+          </p:nvPr>
+        </p:nvSpPr>
+        <p:spPr/>
+        <p:txBody>
+          <a:bodyPr/>
+          <a:lstStyle/>
+          <a:p>
+            <a:pPr>
+              <a:buFont typeface="Wingdings" pitchFamily="2" charset="2"/>
+              <a:buChar char="Ø"/>
+            </a:pPr>
+            <a:r>
+              <a:rPr lang="en-VN" dirty="0"/>
+              <a:t>App Clips</a:t>
+            </a:r>
+          </a:p>
+          <a:p>
+            <a:pPr lvl="1">
+              <a:buFont typeface="Wingdings" pitchFamily="2" charset="2"/>
+              <a:buChar char="§"/>
+            </a:pPr>
+            <a:r>
+              <a:rPr lang="en-US" dirty="0"/>
+              <a:t>An </a:t>
+            </a:r>
+            <a:r>
+              <a:rPr lang="en-US" i="1" dirty="0"/>
+              <a:t>App Clip</a:t>
+            </a:r>
+            <a:r>
+              <a:rPr lang="en-US" dirty="0"/>
+              <a:t> is a lightweight version of your app that offers users some of its functionality when and where they need it.</a:t>
+            </a:r>
+            <a:endParaRPr lang="en-VN" dirty="0"/>
+          </a:p>
+        </p:txBody>
+      </p:sp>
+    </p:spTree>
+    <p:extLst>
+      <p:ext uri="{BB962C8B-B14F-4D97-AF65-F5344CB8AC3E}">
+        <p14:creationId xmlns:p14="http://schemas.microsoft.com/office/powerpoint/2010/main" val="523686474"/>
+      </p:ext>
+    </p:extLst>
+  </p:cSld>
+  <p:clrMapOvr>
+    <a:masterClrMapping/>
+  </p:clrMapOvr>
+</p:sld>
+</file>
+
 <file path=ppt/slides/slide2.xml><?xml version="1.0" encoding="utf-8"?>
 <p:sld xmlns:a="http://schemas.openxmlformats.org/drawingml/2006/main" xmlns:r="http://schemas.openxmlformats.org/officeDocument/2006/relationships" xmlns:p="http://schemas.openxmlformats.org/presentationml/2006/main">
   <p:cSld>
@@ -8869,10 +8981,45 @@
               <a:rPr lang="en-US" sz="2800" dirty="0" err="1"/>
               <a:t>Xcode</a:t>
             </a:r>
+            <a:endParaRPr lang="en-US" sz="2800" dirty="0"/>
+          </a:p>
+          <a:p>
+            <a:pPr>
+              <a:buSzPct val="100000"/>
+              <a:buFont typeface="Arial" panose="020B0604020202020204" pitchFamily="34" charset="0"/>
+              <a:buChar char="•"/>
+            </a:pPr>
             <a:r>
               <a:rPr lang="en-US" sz="2800" dirty="0"/>
-              <a:t>, Swift, Swift UI</a:t>
-            </a:r>
+              <a:t>Swift</a:t>
+            </a:r>
+          </a:p>
+          <a:p>
+            <a:pPr>
+              <a:buSzPct val="100000"/>
+              <a:buFont typeface="Arial" panose="020B0604020202020204" pitchFamily="34" charset="0"/>
+              <a:buChar char="•"/>
+            </a:pPr>
+            <a:r>
+              <a:rPr lang="en-US" sz="2800" dirty="0" err="1"/>
+              <a:t>UIKit</a:t>
+            </a:r>
+            <a:r>
+              <a:rPr lang="en-US" sz="2800" dirty="0"/>
+              <a:t> + Storyboard</a:t>
+            </a:r>
+          </a:p>
+          <a:p>
+            <a:pPr>
+              <a:buSzPct val="100000"/>
+              <a:buFont typeface="Arial" panose="020B0604020202020204" pitchFamily="34" charset="0"/>
+              <a:buChar char="•"/>
+            </a:pPr>
+            <a:r>
+              <a:rPr lang="en-US" sz="2800" dirty="0" err="1"/>
+              <a:t>SwiftUI</a:t>
+            </a:r>
+            <a:endParaRPr lang="en-US" sz="2800" dirty="0"/>
           </a:p>
           <a:p>
             <a:pPr>
@@ -8921,7 +9068,7 @@
         </p:blipFill>
         <p:spPr bwMode="auto">
           <a:xfrm>
-            <a:off x="2589211" y="4421595"/>
+            <a:off x="2589211" y="5004345"/>
             <a:ext cx="1295477" cy="1165500"/>
           </a:xfrm>
           <a:prstGeom prst="rect">
@@ -8962,7 +9109,7 @@
         </p:blipFill>
         <p:spPr bwMode="auto">
           <a:xfrm>
-            <a:off x="4343023" y="4486165"/>
+            <a:off x="5522562" y="5052185"/>
             <a:ext cx="1075868" cy="1100930"/>
           </a:xfrm>
           <a:prstGeom prst="rect">
@@ -9003,7 +9150,7 @@
         </p:blipFill>
         <p:spPr bwMode="auto">
           <a:xfrm>
-            <a:off x="5877226" y="4486165"/>
+            <a:off x="6914938" y="5036630"/>
             <a:ext cx="1143374" cy="1143374"/>
           </a:xfrm>
           <a:prstGeom prst="rect">
@@ -9044,7 +9191,7 @@
         </p:blipFill>
         <p:spPr bwMode="auto">
           <a:xfrm>
-            <a:off x="7358948" y="4351142"/>
+            <a:off x="3929107" y="4895941"/>
             <a:ext cx="1347957" cy="1413419"/>
           </a:xfrm>
           <a:prstGeom prst="rect">
@@ -9759,12 +9906,11 @@
             </a:r>
           </a:p>
           <a:p>
-            <a:pPr>
+            <a:pPr marL="0" indent="0">
               <a:lnSpc>
                 <a:spcPct val="90000"/>
               </a:lnSpc>
-              <a:buFont typeface="Wingdings" pitchFamily="2" charset="2"/>
-              <a:buChar char="Ø"/>
+              <a:buNone/>
             </a:pPr>
             <a:endParaRPr lang="en-US" dirty="0"/>
           </a:p>
@@ -9969,7 +10115,7 @@
           <a:p>
             <a:r>
               <a:rPr lang="en-VN" dirty="0"/>
-              <a:t>New features in iOS 14</a:t>
+              <a:t>What is UIKit </a:t>
             </a:r>
           </a:p>
         </p:txBody>
@@ -10000,8 +10146,12 @@
               <a:buChar char="Ø"/>
             </a:pPr>
             <a:r>
-              <a:rPr lang="en-VN" dirty="0"/>
-              <a:t>App Clips</a:t>
+              <a:rPr lang="en-US" dirty="0" err="1"/>
+              <a:t>UIKit</a:t>
+            </a:r>
+            <a:r>
+              <a:rPr lang="en-US" dirty="0"/>
+              <a:t> is a imperative framework.</a:t>
             </a:r>
           </a:p>
           <a:p>
@@ -10009,11 +10159,17 @@
               <a:buFont typeface="Wingdings" pitchFamily="2" charset="2"/>
               <a:buChar char="Ø"/>
             </a:pPr>
-            <a:r>
-              <a:rPr lang="en-US" dirty="0" err="1"/>
-              <a:t>WidgetKit</a:t>
-            </a:r>
             <a:endParaRPr lang="en-US" dirty="0"/>
+          </a:p>
+          <a:p>
+            <a:pPr>
+              <a:buFont typeface="Wingdings" pitchFamily="2" charset="2"/>
+              <a:buChar char="Ø"/>
+            </a:pPr>
+            <a:r>
+              <a:rPr lang="en-US" dirty="0"/>
+              <a:t>It provides the required infrastructure for your iOS apps.</a:t>
+            </a:r>
           </a:p>
         </p:txBody>
       </p:sp>
@@ -10021,6 +10177,273 @@
     <p:extLst>
       <p:ext uri="{BB962C8B-B14F-4D97-AF65-F5344CB8AC3E}">
         <p14:creationId xmlns:p14="http://schemas.microsoft.com/office/powerpoint/2010/main" val="4238519972"/>
+      </p:ext>
+    </p:extLst>
+  </p:cSld>
+  <p:clrMapOvr>
+    <a:masterClrMapping/>
+  </p:clrMapOvr>
+</p:sld>
+</file>
+
+<file path=ppt/slides/slide8.xml><?xml version="1.0" encoding="utf-8"?>
+<p:sld xmlns:a="http://schemas.openxmlformats.org/drawingml/2006/main" xmlns:r="http://schemas.openxmlformats.org/officeDocument/2006/relationships" xmlns:p="http://schemas.openxmlformats.org/presentationml/2006/main">
+  <p:cSld>
+    <p:spTree>
+      <p:nvGrpSpPr>
+        <p:cNvPr id="1" name=""/>
+        <p:cNvGrpSpPr/>
+        <p:nvPr/>
+      </p:nvGrpSpPr>
+      <p:grpSpPr>
+        <a:xfrm>
+          <a:off x="0" y="0"/>
+          <a:ext cx="0" cy="0"/>
+          <a:chOff x="0" y="0"/>
+          <a:chExt cx="0" cy="0"/>
+        </a:xfrm>
+      </p:grpSpPr>
+      <p:sp>
+        <p:nvSpPr>
+          <p:cNvPr id="2" name="Title 1">
+            <a:extLst>
+              <a:ext uri="{FF2B5EF4-FFF2-40B4-BE49-F238E27FC236}">
+                <a16:creationId xmlns:a16="http://schemas.microsoft.com/office/drawing/2014/main" id="{431BF015-76EF-6F41-95C1-B5D8854BE9DD}"/>
+              </a:ext>
+            </a:extLst>
+          </p:cNvPr>
+          <p:cNvSpPr>
+            <a:spLocks noGrp="1"/>
+          </p:cNvSpPr>
+          <p:nvPr>
+            <p:ph type="title"/>
+          </p:nvPr>
+        </p:nvSpPr>
+        <p:spPr/>
+        <p:txBody>
+          <a:bodyPr/>
+          <a:lstStyle/>
+          <a:p>
+            <a:r>
+              <a:rPr lang="en-VN" dirty="0"/>
+              <a:t>What is Storyboard</a:t>
+            </a:r>
+          </a:p>
+        </p:txBody>
+      </p:sp>
+      <p:sp>
+        <p:nvSpPr>
+          <p:cNvPr id="3" name="Content Placeholder 2">
+            <a:extLst>
+              <a:ext uri="{FF2B5EF4-FFF2-40B4-BE49-F238E27FC236}">
+                <a16:creationId xmlns:a16="http://schemas.microsoft.com/office/drawing/2014/main" id="{7C4B99BE-F245-684A-986C-9E55661C8A2E}"/>
+              </a:ext>
+            </a:extLst>
+          </p:cNvPr>
+          <p:cNvSpPr>
+            <a:spLocks noGrp="1"/>
+          </p:cNvSpPr>
+          <p:nvPr>
+            <p:ph idx="1"/>
+          </p:nvPr>
+        </p:nvSpPr>
+        <p:spPr/>
+        <p:txBody>
+          <a:bodyPr/>
+          <a:lstStyle/>
+          <a:p>
+            <a:pPr>
+              <a:buFont typeface="Wingdings" pitchFamily="2" charset="2"/>
+              <a:buChar char="Ø"/>
+            </a:pPr>
+            <a:r>
+              <a:rPr lang="en-US" dirty="0"/>
+              <a:t>A storyboard is a visual representation of the user interface of an iOS application, showing screens of content and the connections between those screens.</a:t>
+            </a:r>
+          </a:p>
+          <a:p>
+            <a:pPr marL="0" indent="0">
+              <a:buNone/>
+            </a:pPr>
+            <a:endParaRPr lang="en-US" dirty="0"/>
+          </a:p>
+          <a:p>
+            <a:pPr>
+              <a:buFont typeface="Wingdings" pitchFamily="2" charset="2"/>
+              <a:buChar char="Ø"/>
+            </a:pPr>
+            <a:r>
+              <a:rPr lang="en-US" dirty="0"/>
+              <a:t>First introduced iOS 5.</a:t>
+            </a:r>
+          </a:p>
+          <a:p>
+            <a:pPr>
+              <a:buFont typeface="Wingdings" pitchFamily="2" charset="2"/>
+              <a:buChar char="Ø"/>
+            </a:pPr>
+            <a:endParaRPr lang="en-VN" dirty="0"/>
+          </a:p>
+        </p:txBody>
+      </p:sp>
+    </p:spTree>
+    <p:extLst>
+      <p:ext uri="{BB962C8B-B14F-4D97-AF65-F5344CB8AC3E}">
+        <p14:creationId xmlns:p14="http://schemas.microsoft.com/office/powerpoint/2010/main" val="3470621354"/>
+      </p:ext>
+    </p:extLst>
+  </p:cSld>
+  <p:clrMapOvr>
+    <a:masterClrMapping/>
+  </p:clrMapOvr>
+</p:sld>
+</file>
+
+<file path=ppt/slides/slide9.xml><?xml version="1.0" encoding="utf-8"?>
+<p:sld xmlns:a="http://schemas.openxmlformats.org/drawingml/2006/main" xmlns:r="http://schemas.openxmlformats.org/officeDocument/2006/relationships" xmlns:p="http://schemas.openxmlformats.org/presentationml/2006/main">
+  <p:cSld>
+    <p:spTree>
+      <p:nvGrpSpPr>
+        <p:cNvPr id="1" name=""/>
+        <p:cNvGrpSpPr/>
+        <p:nvPr/>
+      </p:nvGrpSpPr>
+      <p:grpSpPr>
+        <a:xfrm>
+          <a:off x="0" y="0"/>
+          <a:ext cx="0" cy="0"/>
+          <a:chOff x="0" y="0"/>
+          <a:chExt cx="0" cy="0"/>
+        </a:xfrm>
+      </p:grpSpPr>
+      <p:sp>
+        <p:nvSpPr>
+          <p:cNvPr id="2" name="Title 1">
+            <a:extLst>
+              <a:ext uri="{FF2B5EF4-FFF2-40B4-BE49-F238E27FC236}">
+                <a16:creationId xmlns:a16="http://schemas.microsoft.com/office/drawing/2014/main" id="{58745717-DA68-FC49-A8C1-8E31A69FF58D}"/>
+              </a:ext>
+            </a:extLst>
+          </p:cNvPr>
+          <p:cNvSpPr>
+            <a:spLocks noGrp="1"/>
+          </p:cNvSpPr>
+          <p:nvPr>
+            <p:ph type="title"/>
+          </p:nvPr>
+        </p:nvSpPr>
+        <p:spPr/>
+        <p:txBody>
+          <a:bodyPr/>
+          <a:lstStyle/>
+          <a:p>
+            <a:r>
+              <a:rPr lang="en-VN" dirty="0"/>
+              <a:t>What is SwiftUI</a:t>
+            </a:r>
+          </a:p>
+        </p:txBody>
+      </p:sp>
+      <p:sp>
+        <p:nvSpPr>
+          <p:cNvPr id="3" name="Content Placeholder 2">
+            <a:extLst>
+              <a:ext uri="{FF2B5EF4-FFF2-40B4-BE49-F238E27FC236}">
+                <a16:creationId xmlns:a16="http://schemas.microsoft.com/office/drawing/2014/main" id="{F8080D93-38AF-CA48-AD18-3127030EAF44}"/>
+              </a:ext>
+            </a:extLst>
+          </p:cNvPr>
+          <p:cNvSpPr>
+            <a:spLocks noGrp="1"/>
+          </p:cNvSpPr>
+          <p:nvPr>
+            <p:ph idx="1"/>
+          </p:nvPr>
+        </p:nvSpPr>
+        <p:spPr/>
+        <p:txBody>
+          <a:bodyPr/>
+          <a:lstStyle/>
+          <a:p>
+            <a:pPr>
+              <a:buFont typeface="Wingdings" pitchFamily="2" charset="2"/>
+              <a:buChar char="Ø"/>
+            </a:pPr>
+            <a:r>
+              <a:rPr lang="en-VN" dirty="0"/>
+              <a:t>SwiftUI is a declarative framework.</a:t>
+            </a:r>
+          </a:p>
+          <a:p>
+            <a:pPr>
+              <a:buFont typeface="Wingdings" pitchFamily="2" charset="2"/>
+              <a:buChar char="Ø"/>
+            </a:pPr>
+            <a:endParaRPr lang="en-VN" dirty="0"/>
+          </a:p>
+          <a:p>
+            <a:pPr>
+              <a:buFont typeface="Wingdings" pitchFamily="2" charset="2"/>
+              <a:buChar char="Ø"/>
+            </a:pPr>
+            <a:r>
+              <a:rPr lang="en-US" dirty="0" err="1"/>
+              <a:t>SwiftUI</a:t>
+            </a:r>
+            <a:r>
+              <a:rPr lang="en-US" dirty="0"/>
+              <a:t> is a modern way to declare user interfaces for any Apple platform. Create beautiful, dynamic apps faster than ever before.</a:t>
+            </a:r>
+          </a:p>
+          <a:p>
+            <a:pPr>
+              <a:buFont typeface="Wingdings" pitchFamily="2" charset="2"/>
+              <a:buChar char="Ø"/>
+            </a:pPr>
+            <a:endParaRPr lang="en-US" dirty="0"/>
+          </a:p>
+          <a:p>
+            <a:pPr>
+              <a:buFont typeface="Wingdings" pitchFamily="2" charset="2"/>
+              <a:buChar char="Ø"/>
+            </a:pPr>
+            <a:r>
+              <a:rPr lang="en-US" dirty="0"/>
+              <a:t>It supports only iOS 13 and </a:t>
+            </a:r>
+            <a:r>
+              <a:rPr lang="en-US" dirty="0" err="1"/>
+              <a:t>Xcode</a:t>
+            </a:r>
+            <a:r>
+              <a:rPr lang="en-US" dirty="0"/>
+              <a:t> 11.</a:t>
+            </a:r>
+          </a:p>
+          <a:p>
+            <a:pPr>
+              <a:buFont typeface="Wingdings" pitchFamily="2" charset="2"/>
+              <a:buChar char="Ø"/>
+            </a:pPr>
+            <a:endParaRPr lang="en-US" dirty="0"/>
+          </a:p>
+          <a:p>
+            <a:pPr>
+              <a:buFont typeface="Wingdings" pitchFamily="2" charset="2"/>
+              <a:buChar char="Ø"/>
+            </a:pPr>
+            <a:r>
+              <a:rPr lang="en-US" dirty="0"/>
+              <a:t>Introduced in WWDC 2019</a:t>
+            </a:r>
+            <a:endParaRPr lang="en-VN" dirty="0"/>
+          </a:p>
+        </p:txBody>
+      </p:sp>
+    </p:spTree>
+    <p:extLst>
+      <p:ext uri="{BB962C8B-B14F-4D97-AF65-F5344CB8AC3E}">
+        <p14:creationId xmlns:p14="http://schemas.microsoft.com/office/powerpoint/2010/main" val="1076202935"/>
       </p:ext>
     </p:extLst>
   </p:cSld>

--- a/ios.pptx
+++ b/ios.pptx
@@ -15,6 +15,8 @@
     <p:sldId id="263" r:id="rId9"/>
     <p:sldId id="264" r:id="rId10"/>
     <p:sldId id="265" r:id="rId11"/>
+    <p:sldId id="266" r:id="rId12"/>
+    <p:sldId id="267" r:id="rId13"/>
   </p:sldIdLst>
   <p:sldSz cx="12192000" cy="6858000"/>
   <p:notesSz cx="6858000" cy="9144000"/>
@@ -1305,7 +1307,7 @@
           <a:p>
             <a:fld id="{CCF68175-03BA-408C-A51E-CA375B5C4E65}" type="datetimeFigureOut">
               <a:rPr lang="en-US" smtClean="0"/>
-              <a:t>11/3/20</a:t>
+              <a:t>11/9/20</a:t>
             </a:fld>
             <a:endParaRPr lang="en-US"/>
           </a:p>
@@ -1643,7 +1645,7 @@
           <a:p>
             <a:fld id="{CCF68175-03BA-408C-A51E-CA375B5C4E65}" type="datetimeFigureOut">
               <a:rPr lang="en-US" smtClean="0"/>
-              <a:t>11/3/20</a:t>
+              <a:t>11/9/20</a:t>
             </a:fld>
             <a:endParaRPr lang="en-US"/>
           </a:p>
@@ -2044,7 +2046,7 @@
           <a:p>
             <a:fld id="{CCF68175-03BA-408C-A51E-CA375B5C4E65}" type="datetimeFigureOut">
               <a:rPr lang="en-US" smtClean="0"/>
-              <a:t>11/3/20</a:t>
+              <a:t>11/9/20</a:t>
             </a:fld>
             <a:endParaRPr lang="en-US"/>
           </a:p>
@@ -2380,7 +2382,7 @@
           <a:p>
             <a:fld id="{CCF68175-03BA-408C-A51E-CA375B5C4E65}" type="datetimeFigureOut">
               <a:rPr lang="en-US" smtClean="0"/>
-              <a:t>11/3/20</a:t>
+              <a:t>11/9/20</a:t>
             </a:fld>
             <a:endParaRPr lang="en-US"/>
           </a:p>
@@ -2700,7 +2702,7 @@
           <a:p>
             <a:fld id="{CCF68175-03BA-408C-A51E-CA375B5C4E65}" type="datetimeFigureOut">
               <a:rPr lang="en-US" smtClean="0"/>
-              <a:t>11/3/20</a:t>
+              <a:t>11/9/20</a:t>
             </a:fld>
             <a:endParaRPr lang="en-US"/>
           </a:p>
@@ -3096,7 +3098,7 @@
           <a:p>
             <a:fld id="{CCF68175-03BA-408C-A51E-CA375B5C4E65}" type="datetimeFigureOut">
               <a:rPr lang="en-US" smtClean="0"/>
-              <a:t>11/3/20</a:t>
+              <a:t>11/9/20</a:t>
             </a:fld>
             <a:endParaRPr lang="en-US"/>
           </a:p>
@@ -3353,7 +3355,7 @@
           <a:p>
             <a:fld id="{CCF68175-03BA-408C-A51E-CA375B5C4E65}" type="datetimeFigureOut">
               <a:rPr lang="en-US" smtClean="0"/>
-              <a:t>11/3/20</a:t>
+              <a:t>11/9/20</a:t>
             </a:fld>
             <a:endParaRPr lang="en-US"/>
           </a:p>
@@ -3615,7 +3617,7 @@
           <a:p>
             <a:fld id="{CCF68175-03BA-408C-A51E-CA375B5C4E65}" type="datetimeFigureOut">
               <a:rPr lang="en-US" smtClean="0"/>
-              <a:t>11/3/20</a:t>
+              <a:t>11/9/20</a:t>
             </a:fld>
             <a:endParaRPr lang="en-US"/>
           </a:p>
@@ -3877,7 +3879,7 @@
           <a:p>
             <a:fld id="{CCF68175-03BA-408C-A51E-CA375B5C4E65}" type="datetimeFigureOut">
               <a:rPr lang="en-US" smtClean="0"/>
-              <a:t>11/3/20</a:t>
+              <a:t>11/9/20</a:t>
             </a:fld>
             <a:endParaRPr lang="en-US"/>
           </a:p>
@@ -4206,7 +4208,7 @@
           <a:p>
             <a:fld id="{CCF68175-03BA-408C-A51E-CA375B5C4E65}" type="datetimeFigureOut">
               <a:rPr lang="en-US" smtClean="0"/>
-              <a:t>11/3/20</a:t>
+              <a:t>11/9/20</a:t>
             </a:fld>
             <a:endParaRPr lang="en-US"/>
           </a:p>
@@ -4529,7 +4531,7 @@
           <a:p>
             <a:fld id="{CCF68175-03BA-408C-A51E-CA375B5C4E65}" type="datetimeFigureOut">
               <a:rPr lang="en-US" smtClean="0"/>
-              <a:t>11/3/20</a:t>
+              <a:t>11/9/20</a:t>
             </a:fld>
             <a:endParaRPr lang="en-US"/>
           </a:p>
@@ -4986,7 +4988,7 @@
           <a:p>
             <a:fld id="{CCF68175-03BA-408C-A51E-CA375B5C4E65}" type="datetimeFigureOut">
               <a:rPr lang="en-US" smtClean="0"/>
-              <a:t>11/3/20</a:t>
+              <a:t>11/9/20</a:t>
             </a:fld>
             <a:endParaRPr lang="en-US"/>
           </a:p>
@@ -5191,7 +5193,7 @@
           <a:p>
             <a:fld id="{CCF68175-03BA-408C-A51E-CA375B5C4E65}" type="datetimeFigureOut">
               <a:rPr lang="en-US" smtClean="0"/>
-              <a:t>11/3/20</a:t>
+              <a:t>11/9/20</a:t>
             </a:fld>
             <a:endParaRPr lang="en-US"/>
           </a:p>
@@ -5368,7 +5370,7 @@
           <a:p>
             <a:fld id="{CCF68175-03BA-408C-A51E-CA375B5C4E65}" type="datetimeFigureOut">
               <a:rPr lang="en-US" smtClean="0"/>
-              <a:t>11/3/20</a:t>
+              <a:t>11/9/20</a:t>
             </a:fld>
             <a:endParaRPr lang="en-US"/>
           </a:p>
@@ -5701,7 +5703,7 @@
           <a:p>
             <a:fld id="{CCF68175-03BA-408C-A51E-CA375B5C4E65}" type="datetimeFigureOut">
               <a:rPr lang="en-US" smtClean="0"/>
-              <a:t>11/3/20</a:t>
+              <a:t>11/9/20</a:t>
             </a:fld>
             <a:endParaRPr lang="en-US"/>
           </a:p>
@@ -6046,7 +6048,7 @@
           <a:p>
             <a:fld id="{CCF68175-03BA-408C-A51E-CA375B5C4E65}" type="datetimeFigureOut">
               <a:rPr lang="en-US" smtClean="0"/>
-              <a:t>11/3/20</a:t>
+              <a:t>11/9/20</a:t>
             </a:fld>
             <a:endParaRPr lang="en-US"/>
           </a:p>
@@ -8100,7 +8102,7 @@
           <a:p>
             <a:fld id="{CCF68175-03BA-408C-A51E-CA375B5C4E65}" type="datetimeFigureOut">
               <a:rPr lang="en-US" smtClean="0"/>
-              <a:t>11/3/20</a:t>
+              <a:t>11/9/20</a:t>
             </a:fld>
             <a:endParaRPr lang="en-US"/>
           </a:p>
@@ -8636,7 +8638,7 @@
           <a:lstStyle/>
           <a:p>
             <a:r>
-              <a:rPr lang="en-US" sz="4400" dirty="0"/>
+              <a:rPr lang="en-US" sz="4400" b="1" dirty="0"/>
               <a:t>IOS Development</a:t>
             </a:r>
           </a:p>
@@ -8852,7 +8854,7 @@
           <a:lstStyle/>
           <a:p>
             <a:r>
-              <a:rPr lang="en-VN" dirty="0"/>
+              <a:rPr lang="en-VN" b="1" dirty="0"/>
               <a:t>New features in IOS 14</a:t>
             </a:r>
           </a:p>
@@ -8913,6 +8915,275 @@
     <p:extLst>
       <p:ext uri="{BB962C8B-B14F-4D97-AF65-F5344CB8AC3E}">
         <p14:creationId xmlns:p14="http://schemas.microsoft.com/office/powerpoint/2010/main" val="523686474"/>
+      </p:ext>
+    </p:extLst>
+  </p:cSld>
+  <p:clrMapOvr>
+    <a:masterClrMapping/>
+  </p:clrMapOvr>
+</p:sld>
+</file>
+
+<file path=ppt/slides/slide11.xml><?xml version="1.0" encoding="utf-8"?>
+<p:sld xmlns:a="http://schemas.openxmlformats.org/drawingml/2006/main" xmlns:r="http://schemas.openxmlformats.org/officeDocument/2006/relationships" xmlns:p="http://schemas.openxmlformats.org/presentationml/2006/main">
+  <p:cSld>
+    <p:spTree>
+      <p:nvGrpSpPr>
+        <p:cNvPr id="1" name=""/>
+        <p:cNvGrpSpPr/>
+        <p:nvPr/>
+      </p:nvGrpSpPr>
+      <p:grpSpPr>
+        <a:xfrm>
+          <a:off x="0" y="0"/>
+          <a:ext cx="0" cy="0"/>
+          <a:chOff x="0" y="0"/>
+          <a:chExt cx="0" cy="0"/>
+        </a:xfrm>
+      </p:grpSpPr>
+      <p:sp>
+        <p:nvSpPr>
+          <p:cNvPr id="2" name="Title 1">
+            <a:extLst>
+              <a:ext uri="{FF2B5EF4-FFF2-40B4-BE49-F238E27FC236}">
+                <a16:creationId xmlns:a16="http://schemas.microsoft.com/office/drawing/2014/main" id="{8381734A-7F30-5347-91F3-6B767EE32CB3}"/>
+              </a:ext>
+            </a:extLst>
+          </p:cNvPr>
+          <p:cNvSpPr>
+            <a:spLocks noGrp="1"/>
+          </p:cNvSpPr>
+          <p:nvPr>
+            <p:ph type="title"/>
+          </p:nvPr>
+        </p:nvSpPr>
+        <p:spPr/>
+        <p:txBody>
+          <a:bodyPr/>
+          <a:lstStyle/>
+          <a:p>
+            <a:r>
+              <a:rPr lang="en-US" b="1" dirty="0"/>
+              <a:t>Membership Program</a:t>
+            </a:r>
+            <a:endParaRPr lang="en-VN" b="1" dirty="0"/>
+          </a:p>
+        </p:txBody>
+      </p:sp>
+      <p:sp>
+        <p:nvSpPr>
+          <p:cNvPr id="3" name="Content Placeholder 2">
+            <a:extLst>
+              <a:ext uri="{FF2B5EF4-FFF2-40B4-BE49-F238E27FC236}">
+                <a16:creationId xmlns:a16="http://schemas.microsoft.com/office/drawing/2014/main" id="{95EBD033-A64B-C84F-899C-17F66CFD2590}"/>
+              </a:ext>
+            </a:extLst>
+          </p:cNvPr>
+          <p:cNvSpPr>
+            <a:spLocks noGrp="1"/>
+          </p:cNvSpPr>
+          <p:nvPr>
+            <p:ph idx="1"/>
+          </p:nvPr>
+        </p:nvSpPr>
+        <p:spPr/>
+        <p:txBody>
+          <a:bodyPr/>
+          <a:lstStyle/>
+          <a:p>
+            <a:pPr>
+              <a:buFont typeface="Wingdings" pitchFamily="2" charset="2"/>
+              <a:buChar char="Ø"/>
+            </a:pPr>
+            <a:r>
+              <a:rPr lang="en-US" dirty="0"/>
+              <a:t>Apple Developer Program for Individuals</a:t>
+            </a:r>
+          </a:p>
+          <a:p>
+            <a:pPr marL="0" indent="0">
+              <a:buNone/>
+            </a:pPr>
+            <a:endParaRPr lang="en-US" dirty="0"/>
+          </a:p>
+          <a:p>
+            <a:pPr>
+              <a:buFont typeface="Wingdings" pitchFamily="2" charset="2"/>
+              <a:buChar char="Ø"/>
+            </a:pPr>
+            <a:r>
+              <a:rPr lang="en-US" dirty="0"/>
+              <a:t>Membership Program for Organizations</a:t>
+            </a:r>
+            <a:endParaRPr lang="en-VN" dirty="0"/>
+          </a:p>
+          <a:p>
+            <a:pPr lvl="1">
+              <a:buFont typeface="Wingdings" pitchFamily="2" charset="2"/>
+              <a:buChar char="v"/>
+            </a:pPr>
+            <a:r>
+              <a:rPr lang="en-US" dirty="0"/>
+              <a:t>Apple Developer Program for Organizations</a:t>
+            </a:r>
+          </a:p>
+          <a:p>
+            <a:pPr lvl="1">
+              <a:buFont typeface="Wingdings" pitchFamily="2" charset="2"/>
+              <a:buChar char="v"/>
+            </a:pPr>
+            <a:r>
+              <a:rPr lang="en-US" dirty="0"/>
+              <a:t>Apple Developer Enterprise Program</a:t>
+            </a:r>
+          </a:p>
+        </p:txBody>
+      </p:sp>
+    </p:spTree>
+    <p:extLst>
+      <p:ext uri="{BB962C8B-B14F-4D97-AF65-F5344CB8AC3E}">
+        <p14:creationId xmlns:p14="http://schemas.microsoft.com/office/powerpoint/2010/main" val="1660656241"/>
+      </p:ext>
+    </p:extLst>
+  </p:cSld>
+  <p:clrMapOvr>
+    <a:masterClrMapping/>
+  </p:clrMapOvr>
+</p:sld>
+</file>
+
+<file path=ppt/slides/slide12.xml><?xml version="1.0" encoding="utf-8"?>
+<p:sld xmlns:a="http://schemas.openxmlformats.org/drawingml/2006/main" xmlns:r="http://schemas.openxmlformats.org/officeDocument/2006/relationships" xmlns:p="http://schemas.openxmlformats.org/presentationml/2006/main">
+  <p:cSld>
+    <p:spTree>
+      <p:nvGrpSpPr>
+        <p:cNvPr id="1" name=""/>
+        <p:cNvGrpSpPr/>
+        <p:nvPr/>
+      </p:nvGrpSpPr>
+      <p:grpSpPr>
+        <a:xfrm>
+          <a:off x="0" y="0"/>
+          <a:ext cx="0" cy="0"/>
+          <a:chOff x="0" y="0"/>
+          <a:chExt cx="0" cy="0"/>
+        </a:xfrm>
+      </p:grpSpPr>
+      <p:sp>
+        <p:nvSpPr>
+          <p:cNvPr id="2" name="Title 1">
+            <a:extLst>
+              <a:ext uri="{FF2B5EF4-FFF2-40B4-BE49-F238E27FC236}">
+                <a16:creationId xmlns:a16="http://schemas.microsoft.com/office/drawing/2014/main" id="{4EBF21E3-EF3C-E248-962A-4608B5777F81}"/>
+              </a:ext>
+            </a:extLst>
+          </p:cNvPr>
+          <p:cNvSpPr>
+            <a:spLocks noGrp="1"/>
+          </p:cNvSpPr>
+          <p:nvPr>
+            <p:ph type="title"/>
+          </p:nvPr>
+        </p:nvSpPr>
+        <p:spPr/>
+        <p:txBody>
+          <a:bodyPr/>
+          <a:lstStyle/>
+          <a:p>
+            <a:r>
+              <a:rPr lang="en-US" b="1" dirty="0"/>
+              <a:t>Apple developer account</a:t>
+            </a:r>
+            <a:br>
+              <a:rPr lang="en-US" b="1" dirty="0"/>
+            </a:br>
+            <a:endParaRPr lang="en-VN" dirty="0"/>
+          </a:p>
+        </p:txBody>
+      </p:sp>
+      <p:sp>
+        <p:nvSpPr>
+          <p:cNvPr id="3" name="Content Placeholder 2">
+            <a:extLst>
+              <a:ext uri="{FF2B5EF4-FFF2-40B4-BE49-F238E27FC236}">
+                <a16:creationId xmlns:a16="http://schemas.microsoft.com/office/drawing/2014/main" id="{EF0D1F2D-B689-794A-B534-B81B86DC232D}"/>
+              </a:ext>
+            </a:extLst>
+          </p:cNvPr>
+          <p:cNvSpPr>
+            <a:spLocks noGrp="1"/>
+          </p:cNvSpPr>
+          <p:nvPr>
+            <p:ph idx="1"/>
+          </p:nvPr>
+        </p:nvSpPr>
+        <p:spPr/>
+        <p:txBody>
+          <a:bodyPr/>
+          <a:lstStyle/>
+          <a:p>
+            <a:pPr>
+              <a:buFont typeface="Wingdings" pitchFamily="2" charset="2"/>
+              <a:buChar char="Ø"/>
+            </a:pPr>
+            <a:r>
+              <a:rPr lang="en-US" dirty="0"/>
+              <a:t>Certificates</a:t>
+            </a:r>
+          </a:p>
+          <a:p>
+            <a:pPr>
+              <a:buFont typeface="Wingdings" pitchFamily="2" charset="2"/>
+              <a:buChar char="Ø"/>
+            </a:pPr>
+            <a:r>
+              <a:rPr lang="en-US" dirty="0"/>
+              <a:t>App ID</a:t>
+            </a:r>
+          </a:p>
+          <a:p>
+            <a:pPr>
+              <a:buFont typeface="Wingdings" pitchFamily="2" charset="2"/>
+              <a:buChar char="Ø"/>
+            </a:pPr>
+            <a:r>
+              <a:rPr lang="en-US" dirty="0"/>
+              <a:t>Devices</a:t>
+            </a:r>
+          </a:p>
+          <a:p>
+            <a:pPr>
+              <a:buFont typeface="Wingdings" pitchFamily="2" charset="2"/>
+              <a:buChar char="Ø"/>
+            </a:pPr>
+            <a:r>
+              <a:rPr lang="en-US" dirty="0"/>
+              <a:t>Provisioning</a:t>
+            </a:r>
+            <a:r>
+              <a:rPr lang="en-US" b="1" dirty="0"/>
+              <a:t> </a:t>
+            </a:r>
+            <a:r>
+              <a:rPr lang="en-US" dirty="0"/>
+              <a:t>Profiles </a:t>
+            </a:r>
+            <a:r>
+              <a:rPr lang="en-US" b="1" dirty="0"/>
+              <a:t>= </a:t>
+            </a:r>
+            <a:r>
+              <a:rPr lang="en-US" i="1" dirty="0"/>
+              <a:t>Certificate + App ID + Devices</a:t>
+            </a:r>
+            <a:endParaRPr lang="en-VN" i="1" dirty="0"/>
+          </a:p>
+        </p:txBody>
+      </p:sp>
+    </p:spTree>
+    <p:extLst>
+      <p:ext uri="{BB962C8B-B14F-4D97-AF65-F5344CB8AC3E}">
+        <p14:creationId xmlns:p14="http://schemas.microsoft.com/office/powerpoint/2010/main" val="3251204423"/>
       </p:ext>
     </p:extLst>
   </p:cSld>
@@ -9255,14 +9526,14 @@
           <a:lstStyle/>
           <a:p>
             <a:r>
-              <a:rPr lang="en-US" dirty="0"/>
+              <a:rPr lang="en-US" b="1" dirty="0"/>
               <a:t>What is </a:t>
             </a:r>
             <a:r>
-              <a:rPr lang="en-US" dirty="0" err="1"/>
+              <a:rPr lang="en-US" b="1" dirty="0" err="1"/>
               <a:t>iOS</a:t>
             </a:r>
-            <a:endParaRPr lang="en-US" dirty="0"/>
+            <a:endParaRPr lang="en-US" b="1" dirty="0"/>
           </a:p>
         </p:txBody>
       </p:sp>
@@ -9512,14 +9783,14 @@
           <a:lstStyle/>
           <a:p>
             <a:r>
-              <a:rPr lang="en-US" dirty="0"/>
+              <a:rPr lang="en-US" b="1" dirty="0"/>
               <a:t>What is </a:t>
             </a:r>
             <a:r>
-              <a:rPr lang="en-US" dirty="0" err="1"/>
+              <a:rPr lang="en-US" b="1" dirty="0" err="1"/>
               <a:t>Xcode</a:t>
             </a:r>
-            <a:endParaRPr lang="en-US" dirty="0"/>
+            <a:endParaRPr lang="en-US" b="1" dirty="0"/>
           </a:p>
         </p:txBody>
       </p:sp>
@@ -9837,7 +10108,7 @@
           <a:lstStyle/>
           <a:p>
             <a:r>
-              <a:rPr lang="en-VN" dirty="0"/>
+              <a:rPr lang="en-VN" b="1" dirty="0"/>
               <a:t>What is Swift</a:t>
             </a:r>
           </a:p>
@@ -10114,7 +10385,7 @@
           <a:lstStyle/>
           <a:p>
             <a:r>
-              <a:rPr lang="en-VN" dirty="0"/>
+              <a:rPr lang="en-VN" b="1" dirty="0"/>
               <a:t>What is UIKit </a:t>
             </a:r>
           </a:p>
@@ -10225,7 +10496,7 @@
           <a:lstStyle/>
           <a:p>
             <a:r>
-              <a:rPr lang="en-VN" dirty="0"/>
+              <a:rPr lang="en-VN" b="1" dirty="0"/>
               <a:t>What is Storyboard</a:t>
             </a:r>
           </a:p>
@@ -10338,7 +10609,7 @@
           <a:lstStyle/>
           <a:p>
             <a:r>
-              <a:rPr lang="en-VN" dirty="0"/>
+              <a:rPr lang="en-VN" b="1" dirty="0"/>
               <a:t>What is SwiftUI</a:t>
             </a:r>
           </a:p>
